--- a/Demand_Forecasting_to_Optimize_Supply_Chain_Management.pptx
+++ b/Demand_Forecasting_to_Optimize_Supply_Chain_Management.pptx
@@ -9,32 +9,34 @@
     <p:sldId id="257" r:id="rId3"/>
     <p:sldId id="260" r:id="rId4"/>
     <p:sldId id="259" r:id="rId5"/>
-    <p:sldId id="258" r:id="rId6"/>
-    <p:sldId id="269" r:id="rId7"/>
-    <p:sldId id="270" r:id="rId8"/>
-    <p:sldId id="263" r:id="rId9"/>
-    <p:sldId id="264" r:id="rId10"/>
-    <p:sldId id="271" r:id="rId11"/>
-    <p:sldId id="272" r:id="rId12"/>
-    <p:sldId id="261" r:id="rId13"/>
-    <p:sldId id="273" r:id="rId14"/>
-    <p:sldId id="274" r:id="rId15"/>
-    <p:sldId id="265" r:id="rId16"/>
-    <p:sldId id="267" r:id="rId17"/>
-    <p:sldId id="268" r:id="rId18"/>
-    <p:sldId id="266" r:id="rId19"/>
+    <p:sldId id="276" r:id="rId6"/>
+    <p:sldId id="277" r:id="rId7"/>
+    <p:sldId id="258" r:id="rId8"/>
+    <p:sldId id="269" r:id="rId9"/>
+    <p:sldId id="270" r:id="rId10"/>
+    <p:sldId id="263" r:id="rId11"/>
+    <p:sldId id="264" r:id="rId12"/>
+    <p:sldId id="271" r:id="rId13"/>
+    <p:sldId id="272" r:id="rId14"/>
+    <p:sldId id="261" r:id="rId15"/>
+    <p:sldId id="273" r:id="rId16"/>
+    <p:sldId id="274" r:id="rId17"/>
+    <p:sldId id="265" r:id="rId18"/>
+    <p:sldId id="267" r:id="rId19"/>
+    <p:sldId id="268" r:id="rId20"/>
+    <p:sldId id="266" r:id="rId21"/>
   </p:sldIdLst>
   <p:sldSz cx="18288000" cy="10287000"/>
   <p:notesSz cx="6858000" cy="9144000"/>
   <p:embeddedFontLst>
     <p:embeddedFont>
-      <p:font typeface="Maven Pro" pitchFamily="2" charset="77"/>
-      <p:regular r:id="rId20"/>
+      <p:font typeface="Maven Pro" panose="020B0604020202020204" charset="0"/>
+      <p:regular r:id="rId22"/>
     </p:embeddedFont>
     <p:embeddedFont>
-      <p:font typeface="Maven Pro Bold" pitchFamily="2" charset="77"/>
-      <p:regular r:id="rId21"/>
-      <p:bold r:id="rId22"/>
+      <p:font typeface="Maven Pro Bold" panose="020B0604020202020204" charset="0"/>
+      <p:regular r:id="rId23"/>
+      <p:bold r:id="rId24"/>
     </p:embeddedFont>
   </p:embeddedFontLst>
   <p:defaultTextStyle>
@@ -331,7 +333,7 @@
             <a:fld id="{1D8BD707-D9CF-40AE-B4C6-C98DA3205C09}" type="datetimeFigureOut">
               <a:rPr lang="en-US" smtClean="0"/>
               <a:pPr/>
-              <a:t>12/15/24</a:t>
+              <a:t>12/15/2024</a:t>
             </a:fld>
             <a:endParaRPr lang="en-US"/>
           </a:p>
@@ -496,7 +498,7 @@
             <a:fld id="{1D8BD707-D9CF-40AE-B4C6-C98DA3205C09}" type="datetimeFigureOut">
               <a:rPr lang="en-US" smtClean="0"/>
               <a:pPr/>
-              <a:t>12/15/24</a:t>
+              <a:t>12/15/2024</a:t>
             </a:fld>
             <a:endParaRPr lang="en-US"/>
           </a:p>
@@ -671,7 +673,7 @@
             <a:fld id="{1D8BD707-D9CF-40AE-B4C6-C98DA3205C09}" type="datetimeFigureOut">
               <a:rPr lang="en-US" smtClean="0"/>
               <a:pPr/>
-              <a:t>12/15/24</a:t>
+              <a:t>12/15/2024</a:t>
             </a:fld>
             <a:endParaRPr lang="en-US"/>
           </a:p>
@@ -836,7 +838,7 @@
             <a:fld id="{1D8BD707-D9CF-40AE-B4C6-C98DA3205C09}" type="datetimeFigureOut">
               <a:rPr lang="en-US" smtClean="0"/>
               <a:pPr/>
-              <a:t>12/15/24</a:t>
+              <a:t>12/15/2024</a:t>
             </a:fld>
             <a:endParaRPr lang="en-US"/>
           </a:p>
@@ -1078,7 +1080,7 @@
             <a:fld id="{1D8BD707-D9CF-40AE-B4C6-C98DA3205C09}" type="datetimeFigureOut">
               <a:rPr lang="en-US" smtClean="0"/>
               <a:pPr/>
-              <a:t>12/15/24</a:t>
+              <a:t>12/15/2024</a:t>
             </a:fld>
             <a:endParaRPr lang="en-US"/>
           </a:p>
@@ -1360,7 +1362,7 @@
             <a:fld id="{1D8BD707-D9CF-40AE-B4C6-C98DA3205C09}" type="datetimeFigureOut">
               <a:rPr lang="en-US" smtClean="0"/>
               <a:pPr/>
-              <a:t>12/15/24</a:t>
+              <a:t>12/15/2024</a:t>
             </a:fld>
             <a:endParaRPr lang="en-US"/>
           </a:p>
@@ -1776,7 +1778,7 @@
             <a:fld id="{1D8BD707-D9CF-40AE-B4C6-C98DA3205C09}" type="datetimeFigureOut">
               <a:rPr lang="en-US" smtClean="0"/>
               <a:pPr/>
-              <a:t>12/15/24</a:t>
+              <a:t>12/15/2024</a:t>
             </a:fld>
             <a:endParaRPr lang="en-US"/>
           </a:p>
@@ -1890,7 +1892,7 @@
             <a:fld id="{1D8BD707-D9CF-40AE-B4C6-C98DA3205C09}" type="datetimeFigureOut">
               <a:rPr lang="en-US" smtClean="0"/>
               <a:pPr/>
-              <a:t>12/15/24</a:t>
+              <a:t>12/15/2024</a:t>
             </a:fld>
             <a:endParaRPr lang="en-US"/>
           </a:p>
@@ -1982,7 +1984,7 @@
             <a:fld id="{1D8BD707-D9CF-40AE-B4C6-C98DA3205C09}" type="datetimeFigureOut">
               <a:rPr lang="en-US" smtClean="0"/>
               <a:pPr/>
-              <a:t>12/15/24</a:t>
+              <a:t>12/15/2024</a:t>
             </a:fld>
             <a:endParaRPr lang="en-US"/>
           </a:p>
@@ -2254,7 +2256,7 @@
             <a:fld id="{1D8BD707-D9CF-40AE-B4C6-C98DA3205C09}" type="datetimeFigureOut">
               <a:rPr lang="en-US" smtClean="0"/>
               <a:pPr/>
-              <a:t>12/15/24</a:t>
+              <a:t>12/15/2024</a:t>
             </a:fld>
             <a:endParaRPr lang="en-US"/>
           </a:p>
@@ -2503,7 +2505,7 @@
             <a:fld id="{1D8BD707-D9CF-40AE-B4C6-C98DA3205C09}" type="datetimeFigureOut">
               <a:rPr lang="en-US" smtClean="0"/>
               <a:pPr/>
-              <a:t>12/15/24</a:t>
+              <a:t>12/15/2024</a:t>
             </a:fld>
             <a:endParaRPr lang="en-US"/>
           </a:p>
@@ -2711,7 +2713,7 @@
             <a:fld id="{1D8BD707-D9CF-40AE-B4C6-C98DA3205C09}" type="datetimeFigureOut">
               <a:rPr lang="en-US" smtClean="0"/>
               <a:pPr/>
-              <a:t>12/15/24</a:t>
+              <a:t>12/15/2024</a:t>
             </a:fld>
             <a:endParaRPr lang="en-US"/>
           </a:p>
@@ -3606,6 +3608,1005 @@
 <file path=ppt/slides/slide10.xml><?xml version="1.0" encoding="utf-8"?>
 <p:sld xmlns:a="http://schemas.openxmlformats.org/drawingml/2006/main" xmlns:r="http://schemas.openxmlformats.org/officeDocument/2006/relationships" xmlns:p="http://schemas.openxmlformats.org/presentationml/2006/main">
   <p:cSld>
+    <p:bg>
+      <p:bgPr>
+        <a:solidFill>
+          <a:srgbClr val="E3E6E0"/>
+        </a:solidFill>
+        <a:effectLst/>
+      </p:bgPr>
+    </p:bg>
+    <p:spTree>
+      <p:nvGrpSpPr>
+        <p:cNvPr id="1" name=""/>
+        <p:cNvGrpSpPr/>
+        <p:nvPr/>
+      </p:nvGrpSpPr>
+      <p:grpSpPr>
+        <a:xfrm>
+          <a:off x="0" y="0"/>
+          <a:ext cx="0" cy="0"/>
+          <a:chOff x="0" y="0"/>
+          <a:chExt cx="0" cy="0"/>
+        </a:xfrm>
+      </p:grpSpPr>
+      <p:sp>
+        <p:nvSpPr>
+          <p:cNvPr id="2" name="TextBox 2"/>
+          <p:cNvSpPr txBox="1"/>
+          <p:nvPr/>
+        </p:nvSpPr>
+        <p:spPr>
+          <a:xfrm>
+            <a:off x="1214005" y="3079424"/>
+            <a:ext cx="8219327" cy="6949788"/>
+          </a:xfrm>
+          <a:prstGeom prst="rect">
+            <a:avLst/>
+          </a:prstGeom>
+        </p:spPr>
+        <p:txBody>
+          <a:bodyPr lIns="0" tIns="0" rIns="0" bIns="0" rtlCol="0" anchor="t">
+            <a:spAutoFit/>
+          </a:bodyPr>
+          <a:lstStyle/>
+          <a:p>
+            <a:pPr algn="just">
+              <a:lnSpc>
+                <a:spcPts val="4200"/>
+              </a:lnSpc>
+            </a:pPr>
+            <a:r>
+              <a:rPr lang="en-US" sz="3000" dirty="0">
+                <a:solidFill>
+                  <a:srgbClr val="252930"/>
+                </a:solidFill>
+                <a:latin typeface="Maven Pro"/>
+                <a:ea typeface="Maven Pro"/>
+                <a:cs typeface="Maven Pro"/>
+                <a:sym typeface="Maven Pro"/>
+              </a:rPr>
+              <a:t>﻿</a:t>
+            </a:r>
+            <a:r>
+              <a:rPr lang="en-US" sz="3000" b="1" dirty="0">
+                <a:solidFill>
+                  <a:srgbClr val="252930"/>
+                </a:solidFill>
+                <a:latin typeface="Maven Pro"/>
+                <a:ea typeface="Maven Pro"/>
+                <a:cs typeface="Maven Pro"/>
+                <a:sym typeface="Maven Pro"/>
+              </a:rPr>
+              <a:t>Decision Tree Regression</a:t>
+            </a:r>
+          </a:p>
+          <a:p>
+            <a:pPr algn="just">
+              <a:lnSpc>
+                <a:spcPts val="4200"/>
+              </a:lnSpc>
+            </a:pPr>
+            <a:endParaRPr lang="en-US" sz="3000" b="1" dirty="0">
+              <a:solidFill>
+                <a:srgbClr val="252930"/>
+              </a:solidFill>
+              <a:latin typeface="Maven Pro"/>
+              <a:ea typeface="Maven Pro"/>
+              <a:cs typeface="Maven Pro"/>
+              <a:sym typeface="Maven Pro"/>
+            </a:endParaRPr>
+          </a:p>
+          <a:p>
+            <a:pPr algn="just">
+              <a:lnSpc>
+                <a:spcPts val="4200"/>
+              </a:lnSpc>
+            </a:pPr>
+            <a:r>
+              <a:rPr lang="en-US" sz="3000" dirty="0">
+                <a:solidFill>
+                  <a:srgbClr val="252930"/>
+                </a:solidFill>
+                <a:latin typeface="Maven Pro"/>
+                <a:ea typeface="Maven Pro"/>
+                <a:cs typeface="Maven Pro"/>
+                <a:sym typeface="Maven Pro"/>
+              </a:rPr>
+              <a:t>Dataset: </a:t>
+            </a:r>
+          </a:p>
+          <a:p>
+            <a:pPr algn="just">
+              <a:lnSpc>
+                <a:spcPts val="4200"/>
+              </a:lnSpc>
+            </a:pPr>
+            <a:r>
+              <a:rPr lang="en-US" sz="3000" dirty="0">
+                <a:solidFill>
+                  <a:srgbClr val="252930"/>
+                </a:solidFill>
+                <a:latin typeface="Maven Pro"/>
+                <a:ea typeface="Maven Pro"/>
+                <a:cs typeface="Maven Pro"/>
+                <a:sym typeface="Maven Pro"/>
+              </a:rPr>
+              <a:t>Full dataset with all features included.</a:t>
+            </a:r>
+          </a:p>
+          <a:p>
+            <a:pPr algn="just">
+              <a:lnSpc>
+                <a:spcPts val="4200"/>
+              </a:lnSpc>
+            </a:pPr>
+            <a:endParaRPr lang="en-US" sz="3000" dirty="0">
+              <a:solidFill>
+                <a:srgbClr val="252930"/>
+              </a:solidFill>
+              <a:latin typeface="Maven Pro"/>
+              <a:ea typeface="Maven Pro"/>
+              <a:cs typeface="Maven Pro"/>
+              <a:sym typeface="Maven Pro"/>
+            </a:endParaRPr>
+          </a:p>
+          <a:p>
+            <a:pPr algn="just">
+              <a:lnSpc>
+                <a:spcPts val="4200"/>
+              </a:lnSpc>
+            </a:pPr>
+            <a:r>
+              <a:rPr lang="en-US" sz="3000" dirty="0">
+                <a:solidFill>
+                  <a:srgbClr val="252930"/>
+                </a:solidFill>
+                <a:latin typeface="Maven Pro"/>
+                <a:ea typeface="Maven Pro"/>
+                <a:cs typeface="Maven Pro"/>
+                <a:sym typeface="Maven Pro"/>
+              </a:rPr>
+              <a:t>Results:</a:t>
+            </a:r>
+          </a:p>
+          <a:p>
+            <a:pPr algn="just">
+              <a:lnSpc>
+                <a:spcPts val="4200"/>
+              </a:lnSpc>
+            </a:pPr>
+            <a:r>
+              <a:rPr lang="en-US" sz="3000" dirty="0">
+                <a:solidFill>
+                  <a:srgbClr val="252930"/>
+                </a:solidFill>
+                <a:latin typeface="Maven Pro"/>
+                <a:ea typeface="Maven Pro"/>
+                <a:cs typeface="Maven Pro"/>
+                <a:sym typeface="Maven Pro"/>
+              </a:rPr>
+              <a:t>RMSE: 175,058</a:t>
+            </a:r>
+          </a:p>
+          <a:p>
+            <a:pPr algn="just">
+              <a:lnSpc>
+                <a:spcPts val="4200"/>
+              </a:lnSpc>
+            </a:pPr>
+            <a:r>
+              <a:rPr lang="en-US" sz="3000" dirty="0">
+                <a:solidFill>
+                  <a:srgbClr val="252930"/>
+                </a:solidFill>
+                <a:latin typeface="Maven Pro"/>
+                <a:ea typeface="Maven Pro"/>
+                <a:cs typeface="Maven Pro"/>
+                <a:sym typeface="Maven Pro"/>
+              </a:rPr>
+              <a:t>R2R2R2: 0.90 ˆ</a:t>
+            </a:r>
+          </a:p>
+          <a:p>
+            <a:pPr algn="just">
+              <a:lnSpc>
+                <a:spcPts val="4200"/>
+              </a:lnSpc>
+            </a:pPr>
+            <a:endParaRPr lang="en-US" sz="3000" dirty="0">
+              <a:solidFill>
+                <a:srgbClr val="252930"/>
+              </a:solidFill>
+              <a:latin typeface="Maven Pro"/>
+              <a:ea typeface="Maven Pro"/>
+              <a:cs typeface="Maven Pro"/>
+              <a:sym typeface="Maven Pro"/>
+            </a:endParaRPr>
+          </a:p>
+          <a:p>
+            <a:pPr algn="just">
+              <a:lnSpc>
+                <a:spcPts val="4200"/>
+              </a:lnSpc>
+            </a:pPr>
+            <a:r>
+              <a:rPr lang="en-US" sz="3000" dirty="0">
+                <a:solidFill>
+                  <a:srgbClr val="252930"/>
+                </a:solidFill>
+                <a:latin typeface="Maven Pro"/>
+                <a:ea typeface="Maven Pro"/>
+                <a:cs typeface="Maven Pro"/>
+                <a:sym typeface="Maven Pro"/>
+              </a:rPr>
+              <a:t>Key Insight: </a:t>
+            </a:r>
+          </a:p>
+          <a:p>
+            <a:pPr algn="just">
+              <a:lnSpc>
+                <a:spcPts val="4200"/>
+              </a:lnSpc>
+            </a:pPr>
+            <a:r>
+              <a:rPr lang="en-US" sz="3000" dirty="0">
+                <a:solidFill>
+                  <a:srgbClr val="252930"/>
+                </a:solidFill>
+                <a:latin typeface="Maven Pro"/>
+                <a:ea typeface="Maven Pro"/>
+                <a:cs typeface="Maven Pro"/>
+                <a:sym typeface="Maven Pro"/>
+              </a:rPr>
+              <a:t>Decision Tree performs well on the full dataset, capturing non-linear relationships effectively.</a:t>
+            </a:r>
+          </a:p>
+        </p:txBody>
+      </p:sp>
+      <p:sp>
+        <p:nvSpPr>
+          <p:cNvPr id="3" name="TextBox 3"/>
+          <p:cNvSpPr txBox="1"/>
+          <p:nvPr/>
+        </p:nvSpPr>
+        <p:spPr>
+          <a:xfrm>
+            <a:off x="5323669" y="1780314"/>
+            <a:ext cx="7640663" cy="920751"/>
+          </a:xfrm>
+          <a:prstGeom prst="rect">
+            <a:avLst/>
+          </a:prstGeom>
+        </p:spPr>
+        <p:txBody>
+          <a:bodyPr lIns="0" tIns="0" rIns="0" bIns="0" rtlCol="0" anchor="t">
+            <a:spAutoFit/>
+          </a:bodyPr>
+          <a:lstStyle/>
+          <a:p>
+            <a:pPr algn="ctr">
+              <a:lnSpc>
+                <a:spcPts val="6400"/>
+              </a:lnSpc>
+            </a:pPr>
+            <a:r>
+              <a:rPr lang="en-US" sz="8000" b="1" dirty="0">
+                <a:solidFill>
+                  <a:srgbClr val="252930"/>
+                </a:solidFill>
+                <a:latin typeface="Maven Pro Bold"/>
+                <a:ea typeface="Maven Pro Bold"/>
+                <a:cs typeface="Maven Pro Bold"/>
+                <a:sym typeface="Maven Pro Bold"/>
+              </a:rPr>
+              <a:t>RESULT</a:t>
+            </a:r>
+          </a:p>
+        </p:txBody>
+      </p:sp>
+      <p:pic>
+        <p:nvPicPr>
+          <p:cNvPr id="4" name="Picture 4"/>
+          <p:cNvPicPr>
+            <a:picLocks noChangeAspect="1"/>
+          </p:cNvPicPr>
+          <p:nvPr/>
+        </p:nvPicPr>
+        <p:blipFill>
+          <a:blip r:embed="rId2"/>
+          <a:stretch>
+            <a:fillRect/>
+          </a:stretch>
+        </p:blipFill>
+        <p:spPr>
+          <a:xfrm>
+            <a:off x="11094002" y="3079424"/>
+            <a:ext cx="6725779" cy="5477181"/>
+          </a:xfrm>
+          <a:prstGeom prst="rect">
+            <a:avLst/>
+          </a:prstGeom>
+        </p:spPr>
+      </p:pic>
+      <p:sp>
+        <p:nvSpPr>
+          <p:cNvPr id="5" name="Freeform 5"/>
+          <p:cNvSpPr/>
+          <p:nvPr/>
+        </p:nvSpPr>
+        <p:spPr>
+          <a:xfrm flipH="1">
+            <a:off x="-211950" y="-104775"/>
+            <a:ext cx="4114800" cy="4114800"/>
+          </a:xfrm>
+          <a:custGeom>
+            <a:avLst/>
+            <a:gdLst/>
+            <a:ahLst/>
+            <a:cxnLst/>
+            <a:rect l="l" t="t" r="r" b="b"/>
+            <a:pathLst>
+              <a:path w="4114800" h="4114800">
+                <a:moveTo>
+                  <a:pt x="4114800" y="0"/>
+                </a:moveTo>
+                <a:lnTo>
+                  <a:pt x="0" y="0"/>
+                </a:lnTo>
+                <a:lnTo>
+                  <a:pt x="0" y="4114800"/>
+                </a:lnTo>
+                <a:lnTo>
+                  <a:pt x="4114800" y="4114800"/>
+                </a:lnTo>
+                <a:lnTo>
+                  <a:pt x="4114800" y="0"/>
+                </a:lnTo>
+                <a:close/>
+              </a:path>
+            </a:pathLst>
+          </a:custGeom>
+          <a:blipFill>
+            <a:blip r:embed="rId3">
+              <a:extLst>
+                <a:ext uri="{96DAC541-7B7A-43D3-8B79-37D633B846F1}">
+                  <asvg:svgBlip xmlns:asvg="http://schemas.microsoft.com/office/drawing/2016/SVG/main" r:embed="rId4"/>
+                </a:ext>
+              </a:extLst>
+            </a:blip>
+            <a:stretch>
+              <a:fillRect/>
+            </a:stretch>
+          </a:blipFill>
+        </p:spPr>
+        <p:txBody>
+          <a:bodyPr/>
+          <a:lstStyle/>
+          <a:p>
+            <a:endParaRPr lang="en-US"/>
+          </a:p>
+        </p:txBody>
+      </p:sp>
+      <p:sp>
+        <p:nvSpPr>
+          <p:cNvPr id="6" name="Freeform 6"/>
+          <p:cNvSpPr/>
+          <p:nvPr/>
+        </p:nvSpPr>
+        <p:spPr>
+          <a:xfrm>
+            <a:off x="17773650" y="8229600"/>
+            <a:ext cx="516220" cy="2057400"/>
+          </a:xfrm>
+          <a:custGeom>
+            <a:avLst/>
+            <a:gdLst/>
+            <a:ahLst/>
+            <a:cxnLst/>
+            <a:rect l="l" t="t" r="r" b="b"/>
+            <a:pathLst>
+              <a:path w="516220" h="2057400">
+                <a:moveTo>
+                  <a:pt x="0" y="0"/>
+                </a:moveTo>
+                <a:lnTo>
+                  <a:pt x="516220" y="0"/>
+                </a:lnTo>
+                <a:lnTo>
+                  <a:pt x="516220" y="2057400"/>
+                </a:lnTo>
+                <a:lnTo>
+                  <a:pt x="0" y="2057400"/>
+                </a:lnTo>
+                <a:lnTo>
+                  <a:pt x="0" y="0"/>
+                </a:lnTo>
+                <a:close/>
+              </a:path>
+            </a:pathLst>
+          </a:custGeom>
+          <a:blipFill>
+            <a:blip r:embed="rId5">
+              <a:extLst>
+                <a:ext uri="{96DAC541-7B7A-43D3-8B79-37D633B846F1}">
+                  <asvg:svgBlip xmlns:asvg="http://schemas.microsoft.com/office/drawing/2016/SVG/main" r:embed="rId6"/>
+                </a:ext>
+              </a:extLst>
+            </a:blip>
+            <a:stretch>
+              <a:fillRect/>
+            </a:stretch>
+          </a:blipFill>
+        </p:spPr>
+        <p:txBody>
+          <a:bodyPr/>
+          <a:lstStyle/>
+          <a:p>
+            <a:endParaRPr lang="en-US"/>
+          </a:p>
+        </p:txBody>
+      </p:sp>
+      <p:sp>
+        <p:nvSpPr>
+          <p:cNvPr id="7" name="Freeform 7"/>
+          <p:cNvSpPr/>
+          <p:nvPr/>
+        </p:nvSpPr>
+        <p:spPr>
+          <a:xfrm rot="5400000">
+            <a:off x="15972490" y="9000190"/>
+            <a:ext cx="516220" cy="2057400"/>
+          </a:xfrm>
+          <a:custGeom>
+            <a:avLst/>
+            <a:gdLst/>
+            <a:ahLst/>
+            <a:cxnLst/>
+            <a:rect l="l" t="t" r="r" b="b"/>
+            <a:pathLst>
+              <a:path w="516220" h="2057400">
+                <a:moveTo>
+                  <a:pt x="0" y="0"/>
+                </a:moveTo>
+                <a:lnTo>
+                  <a:pt x="516220" y="0"/>
+                </a:lnTo>
+                <a:lnTo>
+                  <a:pt x="516220" y="2057400"/>
+                </a:lnTo>
+                <a:lnTo>
+                  <a:pt x="0" y="2057400"/>
+                </a:lnTo>
+                <a:lnTo>
+                  <a:pt x="0" y="0"/>
+                </a:lnTo>
+                <a:close/>
+              </a:path>
+            </a:pathLst>
+          </a:custGeom>
+          <a:blipFill>
+            <a:blip r:embed="rId7">
+              <a:extLst>
+                <a:ext uri="{96DAC541-7B7A-43D3-8B79-37D633B846F1}">
+                  <asvg:svgBlip xmlns:asvg="http://schemas.microsoft.com/office/drawing/2016/SVG/main" r:embed="rId8"/>
+                </a:ext>
+              </a:extLst>
+            </a:blip>
+            <a:stretch>
+              <a:fillRect/>
+            </a:stretch>
+          </a:blipFill>
+        </p:spPr>
+        <p:txBody>
+          <a:bodyPr/>
+          <a:lstStyle/>
+          <a:p>
+            <a:endParaRPr lang="en-US"/>
+          </a:p>
+        </p:txBody>
+      </p:sp>
+    </p:spTree>
+  </p:cSld>
+  <p:clrMapOvr>
+    <a:masterClrMapping/>
+  </p:clrMapOvr>
+</p:sld>
+</file>
+
+<file path=ppt/slides/slide11.xml><?xml version="1.0" encoding="utf-8"?>
+<p:sld xmlns:a="http://schemas.openxmlformats.org/drawingml/2006/main" xmlns:r="http://schemas.openxmlformats.org/officeDocument/2006/relationships" xmlns:p="http://schemas.openxmlformats.org/presentationml/2006/main">
+  <p:cSld>
+    <p:bg>
+      <p:bgPr>
+        <a:solidFill>
+          <a:srgbClr val="E3E6E0"/>
+        </a:solidFill>
+        <a:effectLst/>
+      </p:bgPr>
+    </p:bg>
+    <p:spTree>
+      <p:nvGrpSpPr>
+        <p:cNvPr id="1" name=""/>
+        <p:cNvGrpSpPr/>
+        <p:nvPr/>
+      </p:nvGrpSpPr>
+      <p:grpSpPr>
+        <a:xfrm>
+          <a:off x="0" y="0"/>
+          <a:ext cx="0" cy="0"/>
+          <a:chOff x="0" y="0"/>
+          <a:chExt cx="0" cy="0"/>
+        </a:xfrm>
+      </p:grpSpPr>
+      <p:sp>
+        <p:nvSpPr>
+          <p:cNvPr id="2" name="TextBox 2"/>
+          <p:cNvSpPr txBox="1"/>
+          <p:nvPr/>
+        </p:nvSpPr>
+        <p:spPr>
+          <a:xfrm>
+            <a:off x="1633863" y="3095809"/>
+            <a:ext cx="8082180" cy="6411179"/>
+          </a:xfrm>
+          <a:prstGeom prst="rect">
+            <a:avLst/>
+          </a:prstGeom>
+        </p:spPr>
+        <p:txBody>
+          <a:bodyPr lIns="0" tIns="0" rIns="0" bIns="0" rtlCol="0" anchor="t">
+            <a:spAutoFit/>
+          </a:bodyPr>
+          <a:lstStyle/>
+          <a:p>
+            <a:pPr algn="just">
+              <a:lnSpc>
+                <a:spcPts val="4200"/>
+              </a:lnSpc>
+            </a:pPr>
+            <a:r>
+              <a:rPr lang="en-US" sz="3000" dirty="0">
+                <a:solidFill>
+                  <a:srgbClr val="252930"/>
+                </a:solidFill>
+                <a:latin typeface="Maven Pro"/>
+                <a:ea typeface="Maven Pro"/>
+                <a:cs typeface="Maven Pro"/>
+                <a:sym typeface="Maven Pro"/>
+              </a:rPr>
+              <a:t>﻿</a:t>
+            </a:r>
+            <a:r>
+              <a:rPr lang="en-US" sz="3000" b="1" dirty="0">
+                <a:solidFill>
+                  <a:srgbClr val="252930"/>
+                </a:solidFill>
+                <a:latin typeface="Maven Pro"/>
+                <a:ea typeface="Maven Pro"/>
+                <a:cs typeface="Maven Pro"/>
+                <a:sym typeface="Maven Pro"/>
+              </a:rPr>
+              <a:t>ARIMA for Time Series Analysis</a:t>
+            </a:r>
+          </a:p>
+          <a:p>
+            <a:pPr algn="just">
+              <a:lnSpc>
+                <a:spcPts val="4200"/>
+              </a:lnSpc>
+            </a:pPr>
+            <a:endParaRPr lang="en-US" sz="3000" b="1" dirty="0">
+              <a:solidFill>
+                <a:srgbClr val="252930"/>
+              </a:solidFill>
+              <a:latin typeface="Maven Pro"/>
+              <a:ea typeface="Maven Pro"/>
+              <a:cs typeface="Maven Pro"/>
+              <a:sym typeface="Maven Pro"/>
+            </a:endParaRPr>
+          </a:p>
+          <a:p>
+            <a:pPr algn="just">
+              <a:lnSpc>
+                <a:spcPts val="4200"/>
+              </a:lnSpc>
+            </a:pPr>
+            <a:r>
+              <a:rPr lang="en-US" sz="3000" dirty="0">
+                <a:solidFill>
+                  <a:srgbClr val="252930"/>
+                </a:solidFill>
+                <a:latin typeface="Maven Pro"/>
+                <a:ea typeface="Maven Pro"/>
+                <a:cs typeface="Maven Pro"/>
+                <a:sym typeface="Maven Pro"/>
+              </a:rPr>
+              <a:t>Store: Forecasting applied to Store 20.</a:t>
+            </a:r>
+          </a:p>
+          <a:p>
+            <a:pPr algn="just">
+              <a:lnSpc>
+                <a:spcPts val="4200"/>
+              </a:lnSpc>
+            </a:pPr>
+            <a:r>
+              <a:rPr lang="en-US" sz="3000" dirty="0">
+                <a:solidFill>
+                  <a:srgbClr val="252930"/>
+                </a:solidFill>
+                <a:latin typeface="Maven Pro"/>
+                <a:ea typeface="Maven Pro"/>
+                <a:cs typeface="Maven Pro"/>
+                <a:sym typeface="Maven Pro"/>
+              </a:rPr>
+              <a:t>Train-Test Split: 80% training, 20% testing.</a:t>
+            </a:r>
+          </a:p>
+          <a:p>
+            <a:pPr algn="just">
+              <a:lnSpc>
+                <a:spcPts val="4200"/>
+              </a:lnSpc>
+            </a:pPr>
+            <a:endParaRPr lang="en-US" sz="3000" dirty="0">
+              <a:solidFill>
+                <a:srgbClr val="252930"/>
+              </a:solidFill>
+              <a:latin typeface="Maven Pro"/>
+              <a:ea typeface="Maven Pro"/>
+              <a:cs typeface="Maven Pro"/>
+              <a:sym typeface="Maven Pro"/>
+            </a:endParaRPr>
+          </a:p>
+          <a:p>
+            <a:pPr algn="just">
+              <a:lnSpc>
+                <a:spcPts val="4200"/>
+              </a:lnSpc>
+            </a:pPr>
+            <a:r>
+              <a:rPr lang="en-US" sz="3000" dirty="0">
+                <a:solidFill>
+                  <a:srgbClr val="252930"/>
+                </a:solidFill>
+                <a:latin typeface="Maven Pro"/>
+                <a:ea typeface="Maven Pro"/>
+                <a:cs typeface="Maven Pro"/>
+                <a:sym typeface="Maven Pro"/>
+              </a:rPr>
+              <a:t>Performance:</a:t>
+            </a:r>
+          </a:p>
+          <a:p>
+            <a:pPr algn="just">
+              <a:lnSpc>
+                <a:spcPts val="4200"/>
+              </a:lnSpc>
+            </a:pPr>
+            <a:r>
+              <a:rPr lang="en-US" sz="3000" dirty="0">
+                <a:solidFill>
+                  <a:srgbClr val="252930"/>
+                </a:solidFill>
+                <a:latin typeface="Maven Pro"/>
+                <a:ea typeface="Maven Pro"/>
+                <a:cs typeface="Maven Pro"/>
+                <a:sym typeface="Maven Pro"/>
+              </a:rPr>
+              <a:t>RMSE: 178,150.</a:t>
+            </a:r>
+          </a:p>
+          <a:p>
+            <a:pPr algn="just">
+              <a:lnSpc>
+                <a:spcPts val="4200"/>
+              </a:lnSpc>
+            </a:pPr>
+            <a:r>
+              <a:rPr lang="en-US" sz="3000" dirty="0">
+                <a:solidFill>
+                  <a:srgbClr val="252930"/>
+                </a:solidFill>
+                <a:latin typeface="Maven Pro"/>
+                <a:ea typeface="Maven Pro"/>
+                <a:cs typeface="Maven Pro"/>
+                <a:sym typeface="Maven Pro"/>
+              </a:rPr>
+              <a:t>R2R2R2: -1.93 (indicating poor fit for unseen ˆdata).</a:t>
+            </a:r>
+          </a:p>
+          <a:p>
+            <a:pPr algn="just">
+              <a:lnSpc>
+                <a:spcPts val="4200"/>
+              </a:lnSpc>
+            </a:pPr>
+            <a:endParaRPr lang="en-US" sz="3000" dirty="0">
+              <a:solidFill>
+                <a:srgbClr val="252930"/>
+              </a:solidFill>
+              <a:latin typeface="Maven Pro"/>
+              <a:ea typeface="Maven Pro"/>
+              <a:cs typeface="Maven Pro"/>
+              <a:sym typeface="Maven Pro"/>
+            </a:endParaRPr>
+          </a:p>
+          <a:p>
+            <a:pPr algn="just">
+              <a:lnSpc>
+                <a:spcPts val="4200"/>
+              </a:lnSpc>
+            </a:pPr>
+            <a:r>
+              <a:rPr lang="en-US" sz="3000" dirty="0">
+                <a:solidFill>
+                  <a:srgbClr val="252930"/>
+                </a:solidFill>
+                <a:latin typeface="Maven Pro"/>
+                <a:ea typeface="Maven Pro"/>
+                <a:cs typeface="Maven Pro"/>
+                <a:sym typeface="Maven Pro"/>
+              </a:rPr>
+              <a:t>Insights: ARIMA captured short-term dependencies but struggled with seasonality.</a:t>
+            </a:r>
+          </a:p>
+        </p:txBody>
+      </p:sp>
+      <p:sp>
+        <p:nvSpPr>
+          <p:cNvPr id="3" name="TextBox 3"/>
+          <p:cNvSpPr txBox="1"/>
+          <p:nvPr/>
+        </p:nvSpPr>
+        <p:spPr>
+          <a:xfrm>
+            <a:off x="1909536" y="1718329"/>
+            <a:ext cx="7640663" cy="920751"/>
+          </a:xfrm>
+          <a:prstGeom prst="rect">
+            <a:avLst/>
+          </a:prstGeom>
+        </p:spPr>
+        <p:txBody>
+          <a:bodyPr lIns="0" tIns="0" rIns="0" bIns="0" rtlCol="0" anchor="t">
+            <a:spAutoFit/>
+          </a:bodyPr>
+          <a:lstStyle/>
+          <a:p>
+            <a:pPr algn="ctr">
+              <a:lnSpc>
+                <a:spcPts val="6400"/>
+              </a:lnSpc>
+            </a:pPr>
+            <a:r>
+              <a:rPr lang="en-US" sz="8000" b="1">
+                <a:solidFill>
+                  <a:srgbClr val="252930"/>
+                </a:solidFill>
+                <a:latin typeface="Maven Pro Bold"/>
+                <a:ea typeface="Maven Pro Bold"/>
+                <a:cs typeface="Maven Pro Bold"/>
+                <a:sym typeface="Maven Pro Bold"/>
+              </a:rPr>
+              <a:t>RESULT</a:t>
+            </a:r>
+          </a:p>
+        </p:txBody>
+      </p:sp>
+      <p:pic>
+        <p:nvPicPr>
+          <p:cNvPr id="4" name="Picture 4"/>
+          <p:cNvPicPr>
+            <a:picLocks noChangeAspect="1"/>
+          </p:cNvPicPr>
+          <p:nvPr/>
+        </p:nvPicPr>
+        <p:blipFill>
+          <a:blip r:embed="rId2"/>
+          <a:stretch>
+            <a:fillRect/>
+          </a:stretch>
+        </p:blipFill>
+        <p:spPr>
+          <a:xfrm>
+            <a:off x="10768372" y="2466382"/>
+            <a:ext cx="7171607" cy="6918767"/>
+          </a:xfrm>
+          <a:prstGeom prst="rect">
+            <a:avLst/>
+          </a:prstGeom>
+        </p:spPr>
+      </p:pic>
+      <p:sp>
+        <p:nvSpPr>
+          <p:cNvPr id="5" name="Freeform 5"/>
+          <p:cNvSpPr/>
+          <p:nvPr/>
+        </p:nvSpPr>
+        <p:spPr>
+          <a:xfrm>
+            <a:off x="0" y="8229600"/>
+            <a:ext cx="516220" cy="2057400"/>
+          </a:xfrm>
+          <a:custGeom>
+            <a:avLst/>
+            <a:gdLst/>
+            <a:ahLst/>
+            <a:cxnLst/>
+            <a:rect l="l" t="t" r="r" b="b"/>
+            <a:pathLst>
+              <a:path w="516220" h="2057400">
+                <a:moveTo>
+                  <a:pt x="0" y="0"/>
+                </a:moveTo>
+                <a:lnTo>
+                  <a:pt x="516220" y="0"/>
+                </a:lnTo>
+                <a:lnTo>
+                  <a:pt x="516220" y="2057400"/>
+                </a:lnTo>
+                <a:lnTo>
+                  <a:pt x="0" y="2057400"/>
+                </a:lnTo>
+                <a:lnTo>
+                  <a:pt x="0" y="0"/>
+                </a:lnTo>
+                <a:close/>
+              </a:path>
+            </a:pathLst>
+          </a:custGeom>
+          <a:blipFill>
+            <a:blip r:embed="rId3">
+              <a:extLst>
+                <a:ext uri="{96DAC541-7B7A-43D3-8B79-37D633B846F1}">
+                  <asvg:svgBlip xmlns:asvg="http://schemas.microsoft.com/office/drawing/2016/SVG/main" r:embed="rId4"/>
+                </a:ext>
+              </a:extLst>
+            </a:blip>
+            <a:stretch>
+              <a:fillRect/>
+            </a:stretch>
+          </a:blipFill>
+        </p:spPr>
+        <p:txBody>
+          <a:bodyPr/>
+          <a:lstStyle/>
+          <a:p>
+            <a:endParaRPr lang="en-US"/>
+          </a:p>
+        </p:txBody>
+      </p:sp>
+      <p:sp>
+        <p:nvSpPr>
+          <p:cNvPr id="6" name="Freeform 6"/>
+          <p:cNvSpPr/>
+          <p:nvPr/>
+        </p:nvSpPr>
+        <p:spPr>
+          <a:xfrm>
+            <a:off x="14354175" y="-123825"/>
+            <a:ext cx="4114800" cy="4114800"/>
+          </a:xfrm>
+          <a:custGeom>
+            <a:avLst/>
+            <a:gdLst/>
+            <a:ahLst/>
+            <a:cxnLst/>
+            <a:rect l="l" t="t" r="r" b="b"/>
+            <a:pathLst>
+              <a:path w="4114800" h="4114800">
+                <a:moveTo>
+                  <a:pt x="0" y="0"/>
+                </a:moveTo>
+                <a:lnTo>
+                  <a:pt x="4114800" y="0"/>
+                </a:lnTo>
+                <a:lnTo>
+                  <a:pt x="4114800" y="4114800"/>
+                </a:lnTo>
+                <a:lnTo>
+                  <a:pt x="0" y="4114800"/>
+                </a:lnTo>
+                <a:lnTo>
+                  <a:pt x="0" y="0"/>
+                </a:lnTo>
+                <a:close/>
+              </a:path>
+            </a:pathLst>
+          </a:custGeom>
+          <a:blipFill>
+            <a:blip r:embed="rId5">
+              <a:extLst>
+                <a:ext uri="{96DAC541-7B7A-43D3-8B79-37D633B846F1}">
+                  <asvg:svgBlip xmlns:asvg="http://schemas.microsoft.com/office/drawing/2016/SVG/main" r:embed="rId6"/>
+                </a:ext>
+              </a:extLst>
+            </a:blip>
+            <a:stretch>
+              <a:fillRect/>
+            </a:stretch>
+          </a:blipFill>
+        </p:spPr>
+        <p:txBody>
+          <a:bodyPr/>
+          <a:lstStyle/>
+          <a:p>
+            <a:endParaRPr lang="en-US"/>
+          </a:p>
+        </p:txBody>
+      </p:sp>
+      <p:sp>
+        <p:nvSpPr>
+          <p:cNvPr id="7" name="Freeform 7"/>
+          <p:cNvSpPr/>
+          <p:nvPr/>
+        </p:nvSpPr>
+        <p:spPr>
+          <a:xfrm rot="-5400000">
+            <a:off x="1799290" y="9000190"/>
+            <a:ext cx="516220" cy="2057400"/>
+          </a:xfrm>
+          <a:custGeom>
+            <a:avLst/>
+            <a:gdLst/>
+            <a:ahLst/>
+            <a:cxnLst/>
+            <a:rect l="l" t="t" r="r" b="b"/>
+            <a:pathLst>
+              <a:path w="516220" h="2057400">
+                <a:moveTo>
+                  <a:pt x="0" y="0"/>
+                </a:moveTo>
+                <a:lnTo>
+                  <a:pt x="516220" y="0"/>
+                </a:lnTo>
+                <a:lnTo>
+                  <a:pt x="516220" y="2057400"/>
+                </a:lnTo>
+                <a:lnTo>
+                  <a:pt x="0" y="2057400"/>
+                </a:lnTo>
+                <a:lnTo>
+                  <a:pt x="0" y="0"/>
+                </a:lnTo>
+                <a:close/>
+              </a:path>
+            </a:pathLst>
+          </a:custGeom>
+          <a:blipFill>
+            <a:blip r:embed="rId7">
+              <a:extLst>
+                <a:ext uri="{96DAC541-7B7A-43D3-8B79-37D633B846F1}">
+                  <asvg:svgBlip xmlns:asvg="http://schemas.microsoft.com/office/drawing/2016/SVG/main" r:embed="rId8"/>
+                </a:ext>
+              </a:extLst>
+            </a:blip>
+            <a:stretch>
+              <a:fillRect/>
+            </a:stretch>
+          </a:blipFill>
+        </p:spPr>
+        <p:txBody>
+          <a:bodyPr/>
+          <a:lstStyle/>
+          <a:p>
+            <a:endParaRPr lang="en-US"/>
+          </a:p>
+        </p:txBody>
+      </p:sp>
+    </p:spTree>
+  </p:cSld>
+  <p:clrMapOvr>
+    <a:masterClrMapping/>
+  </p:clrMapOvr>
+</p:sld>
+</file>
+
+<file path=ppt/slides/slide12.xml><?xml version="1.0" encoding="utf-8"?>
+<p:sld xmlns:a="http://schemas.openxmlformats.org/drawingml/2006/main" xmlns:r="http://schemas.openxmlformats.org/officeDocument/2006/relationships" xmlns:p="http://schemas.openxmlformats.org/presentationml/2006/main">
+  <p:cSld>
     <p:spTree>
       <p:nvGrpSpPr>
         <p:cNvPr id="1" name="">
@@ -4078,7 +5079,7 @@
 </p:sld>
 </file>
 
-<file path=ppt/slides/slide11.xml><?xml version="1.0" encoding="utf-8"?>
+<file path=ppt/slides/slide13.xml><?xml version="1.0" encoding="utf-8"?>
 <p:sld xmlns:a="http://schemas.openxmlformats.org/drawingml/2006/main" xmlns:r="http://schemas.openxmlformats.org/officeDocument/2006/relationships" xmlns:p="http://schemas.openxmlformats.org/presentationml/2006/main">
   <p:cSld>
     <p:spTree>
@@ -4515,7 +5516,7 @@
 </p:sld>
 </file>
 
-<file path=ppt/slides/slide12.xml><?xml version="1.0" encoding="utf-8"?>
+<file path=ppt/slides/slide14.xml><?xml version="1.0" encoding="utf-8"?>
 <p:sld xmlns:a="http://schemas.openxmlformats.org/drawingml/2006/main" xmlns:r="http://schemas.openxmlformats.org/officeDocument/2006/relationships" xmlns:p="http://schemas.openxmlformats.org/presentationml/2006/main">
   <p:cSld>
     <p:bg>
@@ -6790,7 +7791,7 @@
 </p:sld>
 </file>
 
-<file path=ppt/slides/slide13.xml><?xml version="1.0" encoding="utf-8"?>
+<file path=ppt/slides/slide15.xml><?xml version="1.0" encoding="utf-8"?>
 <p:sld xmlns:a="http://schemas.openxmlformats.org/drawingml/2006/main" xmlns:r="http://schemas.openxmlformats.org/officeDocument/2006/relationships" xmlns:p="http://schemas.openxmlformats.org/presentationml/2006/main">
   <p:cSld>
     <p:spTree>
@@ -7248,7 +8249,7 @@
 </p:sld>
 </file>
 
-<file path=ppt/slides/slide14.xml><?xml version="1.0" encoding="utf-8"?>
+<file path=ppt/slides/slide16.xml><?xml version="1.0" encoding="utf-8"?>
 <p:sld xmlns:a="http://schemas.openxmlformats.org/drawingml/2006/main" xmlns:r="http://schemas.openxmlformats.org/officeDocument/2006/relationships" xmlns:p="http://schemas.openxmlformats.org/presentationml/2006/main">
   <p:cSld>
     <p:spTree>
@@ -7684,7 +8685,7 @@
 </p:sld>
 </file>
 
-<file path=ppt/slides/slide15.xml><?xml version="1.0" encoding="utf-8"?>
+<file path=ppt/slides/slide17.xml><?xml version="1.0" encoding="utf-8"?>
 <p:sld xmlns:a="http://schemas.openxmlformats.org/drawingml/2006/main" xmlns:r="http://schemas.openxmlformats.org/officeDocument/2006/relationships" xmlns:p="http://schemas.openxmlformats.org/presentationml/2006/main">
   <p:cSld>
     <p:bg>
@@ -8392,7 +9393,7 @@
 </p:sld>
 </file>
 
-<file path=ppt/slides/slide16.xml><?xml version="1.0" encoding="utf-8"?>
+<file path=ppt/slides/slide18.xml><?xml version="1.0" encoding="utf-8"?>
 <p:sld xmlns:a="http://schemas.openxmlformats.org/drawingml/2006/main" xmlns:r="http://schemas.openxmlformats.org/officeDocument/2006/relationships" xmlns:p="http://schemas.openxmlformats.org/presentationml/2006/main">
   <p:cSld>
     <p:bg>
@@ -9177,7 +10178,7 @@
 </p:sld>
 </file>
 
-<file path=ppt/slides/slide17.xml><?xml version="1.0" encoding="utf-8"?>
+<file path=ppt/slides/slide19.xml><?xml version="1.0" encoding="utf-8"?>
 <p:sld xmlns:a="http://schemas.openxmlformats.org/drawingml/2006/main" xmlns:r="http://schemas.openxmlformats.org/officeDocument/2006/relationships" xmlns:p="http://schemas.openxmlformats.org/presentationml/2006/main">
   <p:cSld>
     <p:bg>
@@ -9504,446 +10505,6 @@
               <a:extLst>
                 <a:ext uri="{96DAC541-7B7A-43D3-8B79-37D633B846F1}">
                   <asvg:svgBlip xmlns:asvg="http://schemas.microsoft.com/office/drawing/2016/SVG/main" r:embed="rId5"/>
-                </a:ext>
-              </a:extLst>
-            </a:blip>
-            <a:stretch>
-              <a:fillRect/>
-            </a:stretch>
-          </a:blipFill>
-        </p:spPr>
-        <p:txBody>
-          <a:bodyPr/>
-          <a:lstStyle/>
-          <a:p>
-            <a:endParaRPr lang="en-US"/>
-          </a:p>
-        </p:txBody>
-      </p:sp>
-    </p:spTree>
-  </p:cSld>
-  <p:clrMapOvr>
-    <a:masterClrMapping/>
-  </p:clrMapOvr>
-</p:sld>
-</file>
-
-<file path=ppt/slides/slide18.xml><?xml version="1.0" encoding="utf-8"?>
-<p:sld xmlns:a="http://schemas.openxmlformats.org/drawingml/2006/main" xmlns:r="http://schemas.openxmlformats.org/officeDocument/2006/relationships" xmlns:p="http://schemas.openxmlformats.org/presentationml/2006/main">
-  <p:cSld>
-    <p:bg>
-      <p:bgPr>
-        <a:solidFill>
-          <a:srgbClr val="E3E6E0"/>
-        </a:solidFill>
-        <a:effectLst/>
-      </p:bgPr>
-    </p:bg>
-    <p:spTree>
-      <p:nvGrpSpPr>
-        <p:cNvPr id="1" name=""/>
-        <p:cNvGrpSpPr/>
-        <p:nvPr/>
-      </p:nvGrpSpPr>
-      <p:grpSpPr>
-        <a:xfrm>
-          <a:off x="0" y="0"/>
-          <a:ext cx="0" cy="0"/>
-          <a:chOff x="0" y="0"/>
-          <a:chExt cx="0" cy="0"/>
-        </a:xfrm>
-      </p:grpSpPr>
-      <p:sp>
-        <p:nvSpPr>
-          <p:cNvPr id="2" name="TextBox 2"/>
-          <p:cNvSpPr txBox="1"/>
-          <p:nvPr/>
-        </p:nvSpPr>
-        <p:spPr>
-          <a:xfrm>
-            <a:off x="3550265" y="1893108"/>
-            <a:ext cx="11187470" cy="1046687"/>
-          </a:xfrm>
-          <a:prstGeom prst="rect">
-            <a:avLst/>
-          </a:prstGeom>
-        </p:spPr>
-        <p:txBody>
-          <a:bodyPr lIns="0" tIns="0" rIns="0" bIns="0" rtlCol="0" anchor="t">
-            <a:spAutoFit/>
-          </a:bodyPr>
-          <a:lstStyle/>
-          <a:p>
-            <a:pPr algn="ctr">
-              <a:lnSpc>
-                <a:spcPts val="7333"/>
-              </a:lnSpc>
-            </a:pPr>
-            <a:r>
-              <a:rPr lang="en-US" sz="9166" b="1">
-                <a:solidFill>
-                  <a:srgbClr val="252930"/>
-                </a:solidFill>
-                <a:latin typeface="Maven Pro Bold"/>
-                <a:ea typeface="Maven Pro Bold"/>
-                <a:cs typeface="Maven Pro Bold"/>
-                <a:sym typeface="Maven Pro Bold"/>
-              </a:rPr>
-              <a:t>DOCUMENTATION</a:t>
-            </a:r>
-          </a:p>
-        </p:txBody>
-      </p:sp>
-      <p:sp>
-        <p:nvSpPr>
-          <p:cNvPr id="3" name="Freeform 3"/>
-          <p:cNvSpPr/>
-          <p:nvPr/>
-        </p:nvSpPr>
-        <p:spPr>
-          <a:xfrm>
-            <a:off x="14354175" y="-123825"/>
-            <a:ext cx="4114800" cy="4114800"/>
-          </a:xfrm>
-          <a:custGeom>
-            <a:avLst/>
-            <a:gdLst/>
-            <a:ahLst/>
-            <a:cxnLst/>
-            <a:rect l="l" t="t" r="r" b="b"/>
-            <a:pathLst>
-              <a:path w="4114800" h="4114800">
-                <a:moveTo>
-                  <a:pt x="0" y="0"/>
-                </a:moveTo>
-                <a:lnTo>
-                  <a:pt x="4114800" y="0"/>
-                </a:lnTo>
-                <a:lnTo>
-                  <a:pt x="4114800" y="4114800"/>
-                </a:lnTo>
-                <a:lnTo>
-                  <a:pt x="0" y="4114800"/>
-                </a:lnTo>
-                <a:lnTo>
-                  <a:pt x="0" y="0"/>
-                </a:lnTo>
-                <a:close/>
-              </a:path>
-            </a:pathLst>
-          </a:custGeom>
-          <a:blipFill>
-            <a:blip r:embed="rId2">
-              <a:extLst>
-                <a:ext uri="{96DAC541-7B7A-43D3-8B79-37D633B846F1}">
-                  <asvg:svgBlip xmlns:asvg="http://schemas.microsoft.com/office/drawing/2016/SVG/main" r:embed="rId3"/>
-                </a:ext>
-              </a:extLst>
-            </a:blip>
-            <a:stretch>
-              <a:fillRect/>
-            </a:stretch>
-          </a:blipFill>
-        </p:spPr>
-        <p:txBody>
-          <a:bodyPr/>
-          <a:lstStyle/>
-          <a:p>
-            <a:endParaRPr lang="en-US"/>
-          </a:p>
-        </p:txBody>
-      </p:sp>
-      <p:grpSp>
-        <p:nvGrpSpPr>
-          <p:cNvPr id="4" name="Group 4"/>
-          <p:cNvGrpSpPr/>
-          <p:nvPr/>
-        </p:nvGrpSpPr>
-        <p:grpSpPr>
-          <a:xfrm>
-            <a:off x="3550265" y="5005348"/>
-            <a:ext cx="3682650" cy="3682650"/>
-            <a:chOff x="0" y="0"/>
-            <a:chExt cx="812800" cy="812800"/>
-          </a:xfrm>
-        </p:grpSpPr>
-        <p:sp>
-          <p:nvSpPr>
-            <p:cNvPr id="5" name="Freeform 5"/>
-            <p:cNvSpPr/>
-            <p:nvPr/>
-          </p:nvSpPr>
-          <p:spPr>
-            <a:xfrm>
-              <a:off x="0" y="0"/>
-              <a:ext cx="812800" cy="812800"/>
-            </a:xfrm>
-            <a:custGeom>
-              <a:avLst/>
-              <a:gdLst/>
-              <a:ahLst/>
-              <a:cxnLst/>
-              <a:rect l="l" t="t" r="r" b="b"/>
-              <a:pathLst>
-                <a:path w="812800" h="812800">
-                  <a:moveTo>
-                    <a:pt x="0" y="0"/>
-                  </a:moveTo>
-                  <a:lnTo>
-                    <a:pt x="812800" y="0"/>
-                  </a:lnTo>
-                  <a:lnTo>
-                    <a:pt x="812800" y="812800"/>
-                  </a:lnTo>
-                  <a:lnTo>
-                    <a:pt x="0" y="812800"/>
-                  </a:lnTo>
-                  <a:close/>
-                </a:path>
-              </a:pathLst>
-            </a:custGeom>
-            <a:blipFill>
-              <a:blip r:embed="rId4"/>
-              <a:stretch>
-                <a:fillRect t="-25046" b="-25046"/>
-              </a:stretch>
-            </a:blipFill>
-          </p:spPr>
-          <p:txBody>
-            <a:bodyPr/>
-            <a:lstStyle/>
-            <a:p>
-              <a:endParaRPr lang="en-US"/>
-            </a:p>
-          </p:txBody>
-        </p:sp>
-      </p:grpSp>
-      <p:grpSp>
-        <p:nvGrpSpPr>
-          <p:cNvPr id="6" name="Group 6"/>
-          <p:cNvGrpSpPr/>
-          <p:nvPr/>
-        </p:nvGrpSpPr>
-        <p:grpSpPr>
-          <a:xfrm>
-            <a:off x="10671525" y="4962199"/>
-            <a:ext cx="3682650" cy="3682650"/>
-            <a:chOff x="0" y="0"/>
-            <a:chExt cx="812800" cy="812800"/>
-          </a:xfrm>
-        </p:grpSpPr>
-        <p:sp>
-          <p:nvSpPr>
-            <p:cNvPr id="7" name="Freeform 7"/>
-            <p:cNvSpPr/>
-            <p:nvPr/>
-          </p:nvSpPr>
-          <p:spPr>
-            <a:xfrm>
-              <a:off x="0" y="0"/>
-              <a:ext cx="812800" cy="812800"/>
-            </a:xfrm>
-            <a:custGeom>
-              <a:avLst/>
-              <a:gdLst/>
-              <a:ahLst/>
-              <a:cxnLst/>
-              <a:rect l="l" t="t" r="r" b="b"/>
-              <a:pathLst>
-                <a:path w="812800" h="812800">
-                  <a:moveTo>
-                    <a:pt x="0" y="0"/>
-                  </a:moveTo>
-                  <a:lnTo>
-                    <a:pt x="812800" y="0"/>
-                  </a:lnTo>
-                  <a:lnTo>
-                    <a:pt x="812800" y="812800"/>
-                  </a:lnTo>
-                  <a:lnTo>
-                    <a:pt x="0" y="812800"/>
-                  </a:lnTo>
-                  <a:close/>
-                </a:path>
-              </a:pathLst>
-            </a:custGeom>
-            <a:blipFill>
-              <a:blip r:embed="rId5"/>
-              <a:stretch>
-                <a:fillRect l="-50586" r="-50586"/>
-              </a:stretch>
-            </a:blipFill>
-          </p:spPr>
-          <p:txBody>
-            <a:bodyPr/>
-            <a:lstStyle/>
-            <a:p>
-              <a:endParaRPr lang="en-US"/>
-            </a:p>
-          </p:txBody>
-        </p:sp>
-      </p:grpSp>
-      <p:sp>
-        <p:nvSpPr>
-          <p:cNvPr id="8" name="Freeform 8"/>
-          <p:cNvSpPr/>
-          <p:nvPr/>
-        </p:nvSpPr>
-        <p:spPr>
-          <a:xfrm>
-            <a:off x="3550265" y="3821065"/>
-            <a:ext cx="2282268" cy="1141134"/>
-          </a:xfrm>
-          <a:custGeom>
-            <a:avLst/>
-            <a:gdLst/>
-            <a:ahLst/>
-            <a:cxnLst/>
-            <a:rect l="l" t="t" r="r" b="b"/>
-            <a:pathLst>
-              <a:path w="2282268" h="1141134">
-                <a:moveTo>
-                  <a:pt x="0" y="0"/>
-                </a:moveTo>
-                <a:lnTo>
-                  <a:pt x="2282268" y="0"/>
-                </a:lnTo>
-                <a:lnTo>
-                  <a:pt x="2282268" y="1141134"/>
-                </a:lnTo>
-                <a:lnTo>
-                  <a:pt x="0" y="1141134"/>
-                </a:lnTo>
-                <a:lnTo>
-                  <a:pt x="0" y="0"/>
-                </a:lnTo>
-                <a:close/>
-              </a:path>
-            </a:pathLst>
-          </a:custGeom>
-          <a:blipFill>
-            <a:blip r:embed="rId6">
-              <a:extLst>
-                <a:ext uri="{96DAC541-7B7A-43D3-8B79-37D633B846F1}">
-                  <asvg:svgBlip xmlns:asvg="http://schemas.microsoft.com/office/drawing/2016/SVG/main" r:embed="rId7"/>
-                </a:ext>
-              </a:extLst>
-            </a:blip>
-            <a:stretch>
-              <a:fillRect/>
-            </a:stretch>
-          </a:blipFill>
-        </p:spPr>
-        <p:txBody>
-          <a:bodyPr/>
-          <a:lstStyle/>
-          <a:p>
-            <a:endParaRPr lang="en-US"/>
-          </a:p>
-        </p:txBody>
-      </p:sp>
-      <p:sp>
-        <p:nvSpPr>
-          <p:cNvPr id="9" name="Freeform 9"/>
-          <p:cNvSpPr/>
-          <p:nvPr/>
-        </p:nvSpPr>
-        <p:spPr>
-          <a:xfrm flipH="1" flipV="1">
-            <a:off x="-252838" y="6254531"/>
-            <a:ext cx="4114800" cy="4114800"/>
-          </a:xfrm>
-          <a:custGeom>
-            <a:avLst/>
-            <a:gdLst/>
-            <a:ahLst/>
-            <a:cxnLst/>
-            <a:rect l="l" t="t" r="r" b="b"/>
-            <a:pathLst>
-              <a:path w="4114800" h="4114800">
-                <a:moveTo>
-                  <a:pt x="4114800" y="4114800"/>
-                </a:moveTo>
-                <a:lnTo>
-                  <a:pt x="0" y="4114800"/>
-                </a:lnTo>
-                <a:lnTo>
-                  <a:pt x="0" y="0"/>
-                </a:lnTo>
-                <a:lnTo>
-                  <a:pt x="4114800" y="0"/>
-                </a:lnTo>
-                <a:lnTo>
-                  <a:pt x="4114800" y="4114800"/>
-                </a:lnTo>
-                <a:close/>
-              </a:path>
-            </a:pathLst>
-          </a:custGeom>
-          <a:blipFill>
-            <a:blip r:embed="rId2">
-              <a:extLst>
-                <a:ext uri="{96DAC541-7B7A-43D3-8B79-37D633B846F1}">
-                  <asvg:svgBlip xmlns:asvg="http://schemas.microsoft.com/office/drawing/2016/SVG/main" r:embed="rId3"/>
-                </a:ext>
-              </a:extLst>
-            </a:blip>
-            <a:stretch>
-              <a:fillRect/>
-            </a:stretch>
-          </a:blipFill>
-        </p:spPr>
-        <p:txBody>
-          <a:bodyPr/>
-          <a:lstStyle/>
-          <a:p>
-            <a:endParaRPr lang="en-US"/>
-          </a:p>
-        </p:txBody>
-      </p:sp>
-      <p:sp>
-        <p:nvSpPr>
-          <p:cNvPr id="10" name="Freeform 10"/>
-          <p:cNvSpPr/>
-          <p:nvPr/>
-        </p:nvSpPr>
-        <p:spPr>
-          <a:xfrm rot="5400000">
-            <a:off x="13783608" y="6976297"/>
-            <a:ext cx="2282268" cy="1141134"/>
-          </a:xfrm>
-          <a:custGeom>
-            <a:avLst/>
-            <a:gdLst/>
-            <a:ahLst/>
-            <a:cxnLst/>
-            <a:rect l="l" t="t" r="r" b="b"/>
-            <a:pathLst>
-              <a:path w="2282268" h="1141134">
-                <a:moveTo>
-                  <a:pt x="0" y="0"/>
-                </a:moveTo>
-                <a:lnTo>
-                  <a:pt x="2282268" y="0"/>
-                </a:lnTo>
-                <a:lnTo>
-                  <a:pt x="2282268" y="1141134"/>
-                </a:lnTo>
-                <a:lnTo>
-                  <a:pt x="0" y="1141134"/>
-                </a:lnTo>
-                <a:lnTo>
-                  <a:pt x="0" y="0"/>
-                </a:lnTo>
-                <a:close/>
-              </a:path>
-            </a:pathLst>
-          </a:custGeom>
-          <a:blipFill>
-            <a:blip r:embed="rId6">
-              <a:extLst>
-                <a:ext uri="{96DAC541-7B7A-43D3-8B79-37D633B846F1}">
-                  <asvg:svgBlip xmlns:asvg="http://schemas.microsoft.com/office/drawing/2016/SVG/main" r:embed="rId7"/>
                 </a:ext>
               </a:extLst>
             </a:blip>
@@ -10786,6 +11347,446 @@
 </p:sld>
 </file>
 
+<file path=ppt/slides/slide20.xml><?xml version="1.0" encoding="utf-8"?>
+<p:sld xmlns:a="http://schemas.openxmlformats.org/drawingml/2006/main" xmlns:r="http://schemas.openxmlformats.org/officeDocument/2006/relationships" xmlns:p="http://schemas.openxmlformats.org/presentationml/2006/main">
+  <p:cSld>
+    <p:bg>
+      <p:bgPr>
+        <a:solidFill>
+          <a:srgbClr val="E3E6E0"/>
+        </a:solidFill>
+        <a:effectLst/>
+      </p:bgPr>
+    </p:bg>
+    <p:spTree>
+      <p:nvGrpSpPr>
+        <p:cNvPr id="1" name=""/>
+        <p:cNvGrpSpPr/>
+        <p:nvPr/>
+      </p:nvGrpSpPr>
+      <p:grpSpPr>
+        <a:xfrm>
+          <a:off x="0" y="0"/>
+          <a:ext cx="0" cy="0"/>
+          <a:chOff x="0" y="0"/>
+          <a:chExt cx="0" cy="0"/>
+        </a:xfrm>
+      </p:grpSpPr>
+      <p:sp>
+        <p:nvSpPr>
+          <p:cNvPr id="2" name="TextBox 2"/>
+          <p:cNvSpPr txBox="1"/>
+          <p:nvPr/>
+        </p:nvSpPr>
+        <p:spPr>
+          <a:xfrm>
+            <a:off x="3550265" y="1893108"/>
+            <a:ext cx="11187470" cy="1046687"/>
+          </a:xfrm>
+          <a:prstGeom prst="rect">
+            <a:avLst/>
+          </a:prstGeom>
+        </p:spPr>
+        <p:txBody>
+          <a:bodyPr lIns="0" tIns="0" rIns="0" bIns="0" rtlCol="0" anchor="t">
+            <a:spAutoFit/>
+          </a:bodyPr>
+          <a:lstStyle/>
+          <a:p>
+            <a:pPr algn="ctr">
+              <a:lnSpc>
+                <a:spcPts val="7333"/>
+              </a:lnSpc>
+            </a:pPr>
+            <a:r>
+              <a:rPr lang="en-US" sz="9166" b="1">
+                <a:solidFill>
+                  <a:srgbClr val="252930"/>
+                </a:solidFill>
+                <a:latin typeface="Maven Pro Bold"/>
+                <a:ea typeface="Maven Pro Bold"/>
+                <a:cs typeface="Maven Pro Bold"/>
+                <a:sym typeface="Maven Pro Bold"/>
+              </a:rPr>
+              <a:t>DOCUMENTATION</a:t>
+            </a:r>
+          </a:p>
+        </p:txBody>
+      </p:sp>
+      <p:sp>
+        <p:nvSpPr>
+          <p:cNvPr id="3" name="Freeform 3"/>
+          <p:cNvSpPr/>
+          <p:nvPr/>
+        </p:nvSpPr>
+        <p:spPr>
+          <a:xfrm>
+            <a:off x="14354175" y="-123825"/>
+            <a:ext cx="4114800" cy="4114800"/>
+          </a:xfrm>
+          <a:custGeom>
+            <a:avLst/>
+            <a:gdLst/>
+            <a:ahLst/>
+            <a:cxnLst/>
+            <a:rect l="l" t="t" r="r" b="b"/>
+            <a:pathLst>
+              <a:path w="4114800" h="4114800">
+                <a:moveTo>
+                  <a:pt x="0" y="0"/>
+                </a:moveTo>
+                <a:lnTo>
+                  <a:pt x="4114800" y="0"/>
+                </a:lnTo>
+                <a:lnTo>
+                  <a:pt x="4114800" y="4114800"/>
+                </a:lnTo>
+                <a:lnTo>
+                  <a:pt x="0" y="4114800"/>
+                </a:lnTo>
+                <a:lnTo>
+                  <a:pt x="0" y="0"/>
+                </a:lnTo>
+                <a:close/>
+              </a:path>
+            </a:pathLst>
+          </a:custGeom>
+          <a:blipFill>
+            <a:blip r:embed="rId2">
+              <a:extLst>
+                <a:ext uri="{96DAC541-7B7A-43D3-8B79-37D633B846F1}">
+                  <asvg:svgBlip xmlns:asvg="http://schemas.microsoft.com/office/drawing/2016/SVG/main" r:embed="rId3"/>
+                </a:ext>
+              </a:extLst>
+            </a:blip>
+            <a:stretch>
+              <a:fillRect/>
+            </a:stretch>
+          </a:blipFill>
+        </p:spPr>
+        <p:txBody>
+          <a:bodyPr/>
+          <a:lstStyle/>
+          <a:p>
+            <a:endParaRPr lang="en-US"/>
+          </a:p>
+        </p:txBody>
+      </p:sp>
+      <p:grpSp>
+        <p:nvGrpSpPr>
+          <p:cNvPr id="4" name="Group 4"/>
+          <p:cNvGrpSpPr/>
+          <p:nvPr/>
+        </p:nvGrpSpPr>
+        <p:grpSpPr>
+          <a:xfrm>
+            <a:off x="3550265" y="5005348"/>
+            <a:ext cx="3682650" cy="3682650"/>
+            <a:chOff x="0" y="0"/>
+            <a:chExt cx="812800" cy="812800"/>
+          </a:xfrm>
+        </p:grpSpPr>
+        <p:sp>
+          <p:nvSpPr>
+            <p:cNvPr id="5" name="Freeform 5"/>
+            <p:cNvSpPr/>
+            <p:nvPr/>
+          </p:nvSpPr>
+          <p:spPr>
+            <a:xfrm>
+              <a:off x="0" y="0"/>
+              <a:ext cx="812800" cy="812800"/>
+            </a:xfrm>
+            <a:custGeom>
+              <a:avLst/>
+              <a:gdLst/>
+              <a:ahLst/>
+              <a:cxnLst/>
+              <a:rect l="l" t="t" r="r" b="b"/>
+              <a:pathLst>
+                <a:path w="812800" h="812800">
+                  <a:moveTo>
+                    <a:pt x="0" y="0"/>
+                  </a:moveTo>
+                  <a:lnTo>
+                    <a:pt x="812800" y="0"/>
+                  </a:lnTo>
+                  <a:lnTo>
+                    <a:pt x="812800" y="812800"/>
+                  </a:lnTo>
+                  <a:lnTo>
+                    <a:pt x="0" y="812800"/>
+                  </a:lnTo>
+                  <a:close/>
+                </a:path>
+              </a:pathLst>
+            </a:custGeom>
+            <a:blipFill>
+              <a:blip r:embed="rId4"/>
+              <a:stretch>
+                <a:fillRect t="-25046" b="-25046"/>
+              </a:stretch>
+            </a:blipFill>
+          </p:spPr>
+          <p:txBody>
+            <a:bodyPr/>
+            <a:lstStyle/>
+            <a:p>
+              <a:endParaRPr lang="en-US"/>
+            </a:p>
+          </p:txBody>
+        </p:sp>
+      </p:grpSp>
+      <p:grpSp>
+        <p:nvGrpSpPr>
+          <p:cNvPr id="6" name="Group 6"/>
+          <p:cNvGrpSpPr/>
+          <p:nvPr/>
+        </p:nvGrpSpPr>
+        <p:grpSpPr>
+          <a:xfrm>
+            <a:off x="10671525" y="4962199"/>
+            <a:ext cx="3682650" cy="3682650"/>
+            <a:chOff x="0" y="0"/>
+            <a:chExt cx="812800" cy="812800"/>
+          </a:xfrm>
+        </p:grpSpPr>
+        <p:sp>
+          <p:nvSpPr>
+            <p:cNvPr id="7" name="Freeform 7"/>
+            <p:cNvSpPr/>
+            <p:nvPr/>
+          </p:nvSpPr>
+          <p:spPr>
+            <a:xfrm>
+              <a:off x="0" y="0"/>
+              <a:ext cx="812800" cy="812800"/>
+            </a:xfrm>
+            <a:custGeom>
+              <a:avLst/>
+              <a:gdLst/>
+              <a:ahLst/>
+              <a:cxnLst/>
+              <a:rect l="l" t="t" r="r" b="b"/>
+              <a:pathLst>
+                <a:path w="812800" h="812800">
+                  <a:moveTo>
+                    <a:pt x="0" y="0"/>
+                  </a:moveTo>
+                  <a:lnTo>
+                    <a:pt x="812800" y="0"/>
+                  </a:lnTo>
+                  <a:lnTo>
+                    <a:pt x="812800" y="812800"/>
+                  </a:lnTo>
+                  <a:lnTo>
+                    <a:pt x="0" y="812800"/>
+                  </a:lnTo>
+                  <a:close/>
+                </a:path>
+              </a:pathLst>
+            </a:custGeom>
+            <a:blipFill>
+              <a:blip r:embed="rId5"/>
+              <a:stretch>
+                <a:fillRect l="-50586" r="-50586"/>
+              </a:stretch>
+            </a:blipFill>
+          </p:spPr>
+          <p:txBody>
+            <a:bodyPr/>
+            <a:lstStyle/>
+            <a:p>
+              <a:endParaRPr lang="en-US"/>
+            </a:p>
+          </p:txBody>
+        </p:sp>
+      </p:grpSp>
+      <p:sp>
+        <p:nvSpPr>
+          <p:cNvPr id="8" name="Freeform 8"/>
+          <p:cNvSpPr/>
+          <p:nvPr/>
+        </p:nvSpPr>
+        <p:spPr>
+          <a:xfrm>
+            <a:off x="3550265" y="3821065"/>
+            <a:ext cx="2282268" cy="1141134"/>
+          </a:xfrm>
+          <a:custGeom>
+            <a:avLst/>
+            <a:gdLst/>
+            <a:ahLst/>
+            <a:cxnLst/>
+            <a:rect l="l" t="t" r="r" b="b"/>
+            <a:pathLst>
+              <a:path w="2282268" h="1141134">
+                <a:moveTo>
+                  <a:pt x="0" y="0"/>
+                </a:moveTo>
+                <a:lnTo>
+                  <a:pt x="2282268" y="0"/>
+                </a:lnTo>
+                <a:lnTo>
+                  <a:pt x="2282268" y="1141134"/>
+                </a:lnTo>
+                <a:lnTo>
+                  <a:pt x="0" y="1141134"/>
+                </a:lnTo>
+                <a:lnTo>
+                  <a:pt x="0" y="0"/>
+                </a:lnTo>
+                <a:close/>
+              </a:path>
+            </a:pathLst>
+          </a:custGeom>
+          <a:blipFill>
+            <a:blip r:embed="rId6">
+              <a:extLst>
+                <a:ext uri="{96DAC541-7B7A-43D3-8B79-37D633B846F1}">
+                  <asvg:svgBlip xmlns:asvg="http://schemas.microsoft.com/office/drawing/2016/SVG/main" r:embed="rId7"/>
+                </a:ext>
+              </a:extLst>
+            </a:blip>
+            <a:stretch>
+              <a:fillRect/>
+            </a:stretch>
+          </a:blipFill>
+        </p:spPr>
+        <p:txBody>
+          <a:bodyPr/>
+          <a:lstStyle/>
+          <a:p>
+            <a:endParaRPr lang="en-US"/>
+          </a:p>
+        </p:txBody>
+      </p:sp>
+      <p:sp>
+        <p:nvSpPr>
+          <p:cNvPr id="9" name="Freeform 9"/>
+          <p:cNvSpPr/>
+          <p:nvPr/>
+        </p:nvSpPr>
+        <p:spPr>
+          <a:xfrm flipH="1" flipV="1">
+            <a:off x="-252838" y="6254531"/>
+            <a:ext cx="4114800" cy="4114800"/>
+          </a:xfrm>
+          <a:custGeom>
+            <a:avLst/>
+            <a:gdLst/>
+            <a:ahLst/>
+            <a:cxnLst/>
+            <a:rect l="l" t="t" r="r" b="b"/>
+            <a:pathLst>
+              <a:path w="4114800" h="4114800">
+                <a:moveTo>
+                  <a:pt x="4114800" y="4114800"/>
+                </a:moveTo>
+                <a:lnTo>
+                  <a:pt x="0" y="4114800"/>
+                </a:lnTo>
+                <a:lnTo>
+                  <a:pt x="0" y="0"/>
+                </a:lnTo>
+                <a:lnTo>
+                  <a:pt x="4114800" y="0"/>
+                </a:lnTo>
+                <a:lnTo>
+                  <a:pt x="4114800" y="4114800"/>
+                </a:lnTo>
+                <a:close/>
+              </a:path>
+            </a:pathLst>
+          </a:custGeom>
+          <a:blipFill>
+            <a:blip r:embed="rId2">
+              <a:extLst>
+                <a:ext uri="{96DAC541-7B7A-43D3-8B79-37D633B846F1}">
+                  <asvg:svgBlip xmlns:asvg="http://schemas.microsoft.com/office/drawing/2016/SVG/main" r:embed="rId3"/>
+                </a:ext>
+              </a:extLst>
+            </a:blip>
+            <a:stretch>
+              <a:fillRect/>
+            </a:stretch>
+          </a:blipFill>
+        </p:spPr>
+        <p:txBody>
+          <a:bodyPr/>
+          <a:lstStyle/>
+          <a:p>
+            <a:endParaRPr lang="en-US"/>
+          </a:p>
+        </p:txBody>
+      </p:sp>
+      <p:sp>
+        <p:nvSpPr>
+          <p:cNvPr id="10" name="Freeform 10"/>
+          <p:cNvSpPr/>
+          <p:nvPr/>
+        </p:nvSpPr>
+        <p:spPr>
+          <a:xfrm rot="5400000">
+            <a:off x="13783608" y="6976297"/>
+            <a:ext cx="2282268" cy="1141134"/>
+          </a:xfrm>
+          <a:custGeom>
+            <a:avLst/>
+            <a:gdLst/>
+            <a:ahLst/>
+            <a:cxnLst/>
+            <a:rect l="l" t="t" r="r" b="b"/>
+            <a:pathLst>
+              <a:path w="2282268" h="1141134">
+                <a:moveTo>
+                  <a:pt x="0" y="0"/>
+                </a:moveTo>
+                <a:lnTo>
+                  <a:pt x="2282268" y="0"/>
+                </a:lnTo>
+                <a:lnTo>
+                  <a:pt x="2282268" y="1141134"/>
+                </a:lnTo>
+                <a:lnTo>
+                  <a:pt x="0" y="1141134"/>
+                </a:lnTo>
+                <a:lnTo>
+                  <a:pt x="0" y="0"/>
+                </a:lnTo>
+                <a:close/>
+              </a:path>
+            </a:pathLst>
+          </a:custGeom>
+          <a:blipFill>
+            <a:blip r:embed="rId6">
+              <a:extLst>
+                <a:ext uri="{96DAC541-7B7A-43D3-8B79-37D633B846F1}">
+                  <asvg:svgBlip xmlns:asvg="http://schemas.microsoft.com/office/drawing/2016/SVG/main" r:embed="rId7"/>
+                </a:ext>
+              </a:extLst>
+            </a:blip>
+            <a:stretch>
+              <a:fillRect/>
+            </a:stretch>
+          </a:blipFill>
+        </p:spPr>
+        <p:txBody>
+          <a:bodyPr/>
+          <a:lstStyle/>
+          <a:p>
+            <a:endParaRPr lang="en-US"/>
+          </a:p>
+        </p:txBody>
+      </p:sp>
+    </p:spTree>
+  </p:cSld>
+  <p:clrMapOvr>
+    <a:masterClrMapping/>
+  </p:clrMapOvr>
+</p:sld>
+</file>
+
 <file path=ppt/slides/slide3.xml><?xml version="1.0" encoding="utf-8"?>
 <p:sld xmlns:a="http://schemas.openxmlformats.org/drawingml/2006/main" xmlns:r="http://schemas.openxmlformats.org/officeDocument/2006/relationships" xmlns:p="http://schemas.openxmlformats.org/presentationml/2006/main">
   <p:cSld>
@@ -11471,101 +12472,155 @@
           <a:chExt cx="0" cy="0"/>
         </a:xfrm>
       </p:grpSpPr>
-      <p:sp>
-        <p:nvSpPr>
-          <p:cNvPr id="2" name="TextBox 2"/>
-          <p:cNvSpPr txBox="1"/>
+      <p:pic>
+        <p:nvPicPr>
+          <p:cNvPr id="5" name="Picture 4">
+            <a:extLst>
+              <a:ext uri="{FF2B5EF4-FFF2-40B4-BE49-F238E27FC236}">
+                <a16:creationId xmlns:a16="http://schemas.microsoft.com/office/drawing/2014/main" id="{C7D75E10-9A9B-5A17-45AF-31C32E0990BB}"/>
+              </a:ext>
+            </a:extLst>
+          </p:cNvPr>
+          <p:cNvPicPr>
+            <a:picLocks noChangeAspect="1"/>
+          </p:cNvPicPr>
           <p:nvPr/>
-        </p:nvSpPr>
+        </p:nvPicPr>
+        <p:blipFill>
+          <a:blip r:embed="rId2"/>
+          <a:stretch>
+            <a:fillRect/>
+          </a:stretch>
+        </p:blipFill>
         <p:spPr>
           <a:xfrm>
-            <a:off x="1028700" y="3756017"/>
-            <a:ext cx="7067106" cy="4256743"/>
+            <a:off x="838200" y="1866900"/>
+            <a:ext cx="8447446" cy="7772400"/>
           </a:xfrm>
           <a:prstGeom prst="rect">
             <a:avLst/>
           </a:prstGeom>
         </p:spPr>
-        <p:txBody>
-          <a:bodyPr lIns="0" tIns="0" rIns="0" bIns="0" rtlCol="0" anchor="t">
+      </p:pic>
+      <p:sp>
+        <p:nvSpPr>
+          <p:cNvPr id="6" name="TextBox 5">
+            <a:extLst>
+              <a:ext uri="{FF2B5EF4-FFF2-40B4-BE49-F238E27FC236}">
+                <a16:creationId xmlns:a16="http://schemas.microsoft.com/office/drawing/2014/main" id="{1EB734DB-F94E-3906-DEAD-FA76A5B24596}"/>
+              </a:ext>
+            </a:extLst>
+          </p:cNvPr>
+          <p:cNvSpPr txBox="1"/>
+          <p:nvPr/>
+        </p:nvSpPr>
+        <p:spPr>
+          <a:xfrm>
+            <a:off x="9982200" y="1825826"/>
+            <a:ext cx="7338951" cy="5124480"/>
+          </a:xfrm>
+          <a:prstGeom prst="rect">
+            <a:avLst/>
+          </a:prstGeom>
+          <a:noFill/>
+        </p:spPr>
+        <p:txBody>
+          <a:bodyPr wrap="square" rtlCol="0">
             <a:spAutoFit/>
           </a:bodyPr>
           <a:lstStyle/>
           <a:p>
-            <a:pPr algn="just">
-              <a:lnSpc>
-                <a:spcPts val="4200"/>
-              </a:lnSpc>
-            </a:pPr>
-            <a:r>
-              <a:rPr lang="en-US" sz="3000" dirty="0">
-                <a:solidFill>
-                  <a:srgbClr val="252D37"/>
-                </a:solidFill>
-                <a:latin typeface="Maven Pro"/>
-                <a:ea typeface="Maven Pro"/>
-                <a:cs typeface="Maven Pro"/>
-                <a:sym typeface="Maven Pro"/>
-              </a:rPr>
-              <a:t>﻿</a:t>
-            </a:r>
-            <a:r>
-              <a:rPr lang="en-US" sz="3000" b="1" dirty="0">
-                <a:solidFill>
-                  <a:srgbClr val="252D37"/>
-                </a:solidFill>
-                <a:latin typeface="Maven Pro"/>
-                <a:sym typeface="Maven Pro"/>
-              </a:rPr>
-              <a:t>Linear Regression:</a:t>
-            </a:r>
-            <a:r>
-              <a:rPr lang="en-US" sz="3000" dirty="0">
-                <a:solidFill>
-                  <a:srgbClr val="252D37"/>
-                </a:solidFill>
-                <a:latin typeface="Maven Pro"/>
-                <a:sym typeface="Maven Pro"/>
-              </a:rPr>
-              <a:t> </a:t>
-            </a:r>
-          </a:p>
-          <a:p>
-            <a:pPr algn="just">
-              <a:lnSpc>
-                <a:spcPts val="4200"/>
-              </a:lnSpc>
-            </a:pPr>
-            <a:r>
-              <a:rPr lang="en-US" sz="3000" dirty="0">
-                <a:solidFill>
-                  <a:srgbClr val="252D37"/>
-                </a:solidFill>
-                <a:latin typeface="Maven Pro"/>
-                <a:sym typeface="Maven Pro"/>
-              </a:rPr>
-              <a:t>Linear Regression provided a baseline model, achieving a Root Mean Square Error (RMSE) of 12,000 and an R² score of 0.68. Its performance demonstrates the limitations of simplistic approaches when handling complex datasets with seasonal trends.</a:t>
-            </a:r>
-          </a:p>
-        </p:txBody>
-      </p:sp>
-      <p:sp>
-        <p:nvSpPr>
-          <p:cNvPr id="3" name="TextBox 3"/>
-          <p:cNvSpPr txBox="1"/>
+            <a:r>
+              <a:rPr lang="en-US" sz="2100" dirty="0"/>
+              <a:t>A </a:t>
+            </a:r>
+            <a:r>
+              <a:rPr lang="en-US" sz="2100" b="1" dirty="0"/>
+              <a:t>correlation matrix </a:t>
+            </a:r>
+            <a:r>
+              <a:rPr lang="en-US" sz="2100" dirty="0"/>
+              <a:t>offers valuable insights by displaying the strength and direction of linear relationships between pairs of variables. It helps identify potential multicollinearity, guiding feature selection for predictive models. By highlighting patterns, it aids in understanding the data's structure. Additionally, it can reveal which variables are independent and which are interrelated, making it a useful tool for risk management, particularly in finance for assessing asset return relationships and aiding in portfolio diversification.</a:t>
+            </a:r>
+          </a:p>
+          <a:p>
+            <a:endParaRPr lang="en-US" sz="2100" dirty="0"/>
+          </a:p>
+          <a:p>
+            <a:r>
+              <a:rPr lang="en-US" sz="2100" dirty="0"/>
+              <a:t>According to our correlation Matrix analysis, it is evident that many of the variables are unrelated to our target variable </a:t>
+            </a:r>
+            <a:r>
+              <a:rPr lang="en-US" sz="2100" b="1" dirty="0"/>
+              <a:t>Weekly Sales </a:t>
+            </a:r>
+            <a:r>
+              <a:rPr lang="en-US" sz="2100" dirty="0"/>
+              <a:t>this will create certain challenges when developing a model.</a:t>
+            </a:r>
+          </a:p>
+          <a:p>
+            <a:endParaRPr lang="en-US" sz="2700" dirty="0"/>
+          </a:p>
+          <a:p>
+            <a:endParaRPr lang="en-US" sz="2700" dirty="0"/>
+          </a:p>
+        </p:txBody>
+      </p:sp>
+      <p:pic>
+        <p:nvPicPr>
+          <p:cNvPr id="8" name="Picture 7">
+            <a:extLst>
+              <a:ext uri="{FF2B5EF4-FFF2-40B4-BE49-F238E27FC236}">
+                <a16:creationId xmlns:a16="http://schemas.microsoft.com/office/drawing/2014/main" id="{8DFE03DA-F8C2-130F-D19E-E869B66F4587}"/>
+              </a:ext>
+            </a:extLst>
+          </p:cNvPr>
+          <p:cNvPicPr>
+            <a:picLocks noChangeAspect="1"/>
+          </p:cNvPicPr>
           <p:nvPr/>
-        </p:nvSpPr>
+        </p:nvPicPr>
+        <p:blipFill>
+          <a:blip r:embed="rId3"/>
+          <a:stretch>
+            <a:fillRect/>
+          </a:stretch>
+        </p:blipFill>
         <p:spPr>
           <a:xfrm>
-            <a:off x="4596087" y="1912981"/>
-            <a:ext cx="9095826" cy="835550"/>
+            <a:off x="9982200" y="6667500"/>
+            <a:ext cx="6858957" cy="2014818"/>
           </a:xfrm>
           <a:prstGeom prst="rect">
             <a:avLst/>
           </a:prstGeom>
         </p:spPr>
-        <p:txBody>
-          <a:bodyPr lIns="0" tIns="0" rIns="0" bIns="0" rtlCol="0" anchor="t">
+      </p:pic>
+      <p:sp>
+        <p:nvSpPr>
+          <p:cNvPr id="7" name="TextBox 3">
+            <a:extLst>
+              <a:ext uri="{FF2B5EF4-FFF2-40B4-BE49-F238E27FC236}">
+                <a16:creationId xmlns:a16="http://schemas.microsoft.com/office/drawing/2014/main" id="{D95021C7-2343-A1CF-7E9C-9CF30031184C}"/>
+              </a:ext>
+            </a:extLst>
+          </p:cNvPr>
+          <p:cNvSpPr txBox="1"/>
+          <p:nvPr/>
+        </p:nvSpPr>
+        <p:spPr>
+          <a:xfrm>
+            <a:off x="2514600" y="647700"/>
+            <a:ext cx="12548913" cy="835550"/>
+          </a:xfrm>
+          <a:prstGeom prst="rect">
+            <a:avLst/>
+          </a:prstGeom>
+        </p:spPr>
+        <p:txBody>
+          <a:bodyPr wrap="square" lIns="0" tIns="0" rIns="0" bIns="0" rtlCol="0" anchor="t">
             <a:spAutoFit/>
           </a:bodyPr>
           <a:lstStyle/>
@@ -11585,693 +12640,15 @@
                 <a:cs typeface="Maven Pro Bold"/>
                 <a:sym typeface="Maven Pro Bold"/>
               </a:rPr>
-              <a:t>ML ALGORITHMS</a:t>
-            </a:r>
-          </a:p>
-        </p:txBody>
-      </p:sp>
-      <p:sp>
-        <p:nvSpPr>
-          <p:cNvPr id="4" name="TextBox 4"/>
-          <p:cNvSpPr txBox="1"/>
-          <p:nvPr/>
-        </p:nvSpPr>
-        <p:spPr>
-          <a:xfrm>
-            <a:off x="10157619" y="3756017"/>
-            <a:ext cx="7101681" cy="4256743"/>
-          </a:xfrm>
-          <a:prstGeom prst="rect">
-            <a:avLst/>
-          </a:prstGeom>
-        </p:spPr>
-        <p:txBody>
-          <a:bodyPr lIns="0" tIns="0" rIns="0" bIns="0" rtlCol="0" anchor="t">
-            <a:spAutoFit/>
-          </a:bodyPr>
-          <a:lstStyle/>
-          <a:p>
-            <a:pPr algn="just">
-              <a:lnSpc>
-                <a:spcPts val="4200"/>
-              </a:lnSpc>
-            </a:pPr>
-            <a:r>
-              <a:rPr lang="en-US" sz="3000" dirty="0">
-                <a:solidFill>
-                  <a:srgbClr val="252D37"/>
-                </a:solidFill>
-                <a:latin typeface="Maven Pro"/>
-                <a:ea typeface="Maven Pro"/>
-                <a:cs typeface="Maven Pro"/>
-                <a:sym typeface="Maven Pro"/>
-              </a:rPr>
-              <a:t>﻿</a:t>
-            </a:r>
-            <a:r>
-              <a:rPr lang="en-US" sz="3000" b="1" dirty="0">
-                <a:solidFill>
-                  <a:srgbClr val="252D37"/>
-                </a:solidFill>
-                <a:latin typeface="Maven Pro"/>
-                <a:ea typeface="Maven Pro"/>
-                <a:cs typeface="Maven Pro"/>
-                <a:sym typeface="Maven Pro"/>
-              </a:rPr>
-              <a:t>Random Forest Regressor: </a:t>
-            </a:r>
-          </a:p>
-          <a:p>
-            <a:pPr algn="just">
-              <a:lnSpc>
-                <a:spcPts val="4200"/>
-              </a:lnSpc>
-            </a:pPr>
-            <a:r>
-              <a:rPr lang="en-US" sz="3000" dirty="0">
-                <a:solidFill>
-                  <a:srgbClr val="252D37"/>
-                </a:solidFill>
-                <a:latin typeface="Maven Pro"/>
-                <a:ea typeface="Maven Pro"/>
-                <a:cs typeface="Maven Pro"/>
-                <a:sym typeface="Maven Pro"/>
-              </a:rPr>
-              <a:t>Random Forest Regressor, leveraging feature importance, achieved an RMSE of 8,977 and an R² score of 0.798, making it one of the top performers. This model highlighted the significance of features like holiday events and temperature in driving sales variability</a:t>
-            </a:r>
-          </a:p>
-        </p:txBody>
-      </p:sp>
-      <p:sp>
-        <p:nvSpPr>
-          <p:cNvPr id="5" name="Freeform 5"/>
-          <p:cNvSpPr/>
-          <p:nvPr/>
-        </p:nvSpPr>
-        <p:spPr>
-          <a:xfrm>
-            <a:off x="0" y="8229600"/>
-            <a:ext cx="516220" cy="2057400"/>
-          </a:xfrm>
-          <a:custGeom>
-            <a:avLst/>
-            <a:gdLst/>
-            <a:ahLst/>
-            <a:cxnLst/>
-            <a:rect l="l" t="t" r="r" b="b"/>
-            <a:pathLst>
-              <a:path w="516220" h="2057400">
-                <a:moveTo>
-                  <a:pt x="0" y="0"/>
-                </a:moveTo>
-                <a:lnTo>
-                  <a:pt x="516220" y="0"/>
-                </a:lnTo>
-                <a:lnTo>
-                  <a:pt x="516220" y="2057400"/>
-                </a:lnTo>
-                <a:lnTo>
-                  <a:pt x="0" y="2057400"/>
-                </a:lnTo>
-                <a:lnTo>
-                  <a:pt x="0" y="0"/>
-                </a:lnTo>
-                <a:close/>
-              </a:path>
-            </a:pathLst>
-          </a:custGeom>
-          <a:blipFill>
-            <a:blip r:embed="rId2">
-              <a:extLst>
-                <a:ext uri="{96DAC541-7B7A-43D3-8B79-37D633B846F1}">
-                  <asvg:svgBlip xmlns:asvg="http://schemas.microsoft.com/office/drawing/2016/SVG/main" r:embed="rId3"/>
-                </a:ext>
-              </a:extLst>
-            </a:blip>
-            <a:stretch>
-              <a:fillRect/>
-            </a:stretch>
-          </a:blipFill>
-        </p:spPr>
-        <p:txBody>
-          <a:bodyPr/>
-          <a:lstStyle/>
-          <a:p>
-            <a:endParaRPr lang="en-US"/>
-          </a:p>
-        </p:txBody>
-      </p:sp>
-      <p:sp>
-        <p:nvSpPr>
-          <p:cNvPr id="6" name="Freeform 6"/>
-          <p:cNvSpPr/>
-          <p:nvPr/>
-        </p:nvSpPr>
-        <p:spPr>
-          <a:xfrm>
-            <a:off x="1028700" y="9077308"/>
-            <a:ext cx="2716317" cy="1358159"/>
-          </a:xfrm>
-          <a:custGeom>
-            <a:avLst/>
-            <a:gdLst/>
-            <a:ahLst/>
-            <a:cxnLst/>
-            <a:rect l="l" t="t" r="r" b="b"/>
-            <a:pathLst>
-              <a:path w="2716317" h="1358159">
-                <a:moveTo>
-                  <a:pt x="0" y="0"/>
-                </a:moveTo>
-                <a:lnTo>
-                  <a:pt x="2716317" y="0"/>
-                </a:lnTo>
-                <a:lnTo>
-                  <a:pt x="2716317" y="1358159"/>
-                </a:lnTo>
-                <a:lnTo>
-                  <a:pt x="0" y="1358159"/>
-                </a:lnTo>
-                <a:lnTo>
-                  <a:pt x="0" y="0"/>
-                </a:lnTo>
-                <a:close/>
-              </a:path>
-            </a:pathLst>
-          </a:custGeom>
-          <a:blipFill>
-            <a:blip r:embed="rId4">
-              <a:extLst>
-                <a:ext uri="{96DAC541-7B7A-43D3-8B79-37D633B846F1}">
-                  <asvg:svgBlip xmlns:asvg="http://schemas.microsoft.com/office/drawing/2016/SVG/main" r:embed="rId5"/>
-                </a:ext>
-              </a:extLst>
-            </a:blip>
-            <a:stretch>
-              <a:fillRect/>
-            </a:stretch>
-          </a:blipFill>
-        </p:spPr>
-        <p:txBody>
-          <a:bodyPr/>
-          <a:lstStyle/>
-          <a:p>
-            <a:endParaRPr lang="en-US"/>
-          </a:p>
-        </p:txBody>
-      </p:sp>
-      <p:sp>
-        <p:nvSpPr>
-          <p:cNvPr id="7" name="Freeform 7"/>
-          <p:cNvSpPr/>
-          <p:nvPr/>
-        </p:nvSpPr>
-        <p:spPr>
-          <a:xfrm>
-            <a:off x="14354175" y="-123825"/>
-            <a:ext cx="4114800" cy="4114800"/>
-          </a:xfrm>
-          <a:custGeom>
-            <a:avLst/>
-            <a:gdLst/>
-            <a:ahLst/>
-            <a:cxnLst/>
-            <a:rect l="l" t="t" r="r" b="b"/>
-            <a:pathLst>
-              <a:path w="4114800" h="4114800">
-                <a:moveTo>
-                  <a:pt x="0" y="0"/>
-                </a:moveTo>
-                <a:lnTo>
-                  <a:pt x="4114800" y="0"/>
-                </a:lnTo>
-                <a:lnTo>
-                  <a:pt x="4114800" y="4114800"/>
-                </a:lnTo>
-                <a:lnTo>
-                  <a:pt x="0" y="4114800"/>
-                </a:lnTo>
-                <a:lnTo>
-                  <a:pt x="0" y="0"/>
-                </a:lnTo>
-                <a:close/>
-              </a:path>
-            </a:pathLst>
-          </a:custGeom>
-          <a:blipFill>
-            <a:blip r:embed="rId6">
-              <a:extLst>
-                <a:ext uri="{96DAC541-7B7A-43D3-8B79-37D633B846F1}">
-                  <asvg:svgBlip xmlns:asvg="http://schemas.microsoft.com/office/drawing/2016/SVG/main" r:embed="rId7"/>
-                </a:ext>
-              </a:extLst>
-            </a:blip>
-            <a:stretch>
-              <a:fillRect/>
-            </a:stretch>
-          </a:blipFill>
-        </p:spPr>
-        <p:txBody>
-          <a:bodyPr/>
-          <a:lstStyle/>
-          <a:p>
-            <a:endParaRPr lang="en-US"/>
-          </a:p>
-        </p:txBody>
-      </p:sp>
-    </p:spTree>
-  </p:cSld>
-  <p:clrMapOvr>
-    <a:masterClrMapping/>
-  </p:clrMapOvr>
-</p:sld>
-</file>
-
-<file path=ppt/slides/slide6.xml><?xml version="1.0" encoding="utf-8"?>
-<p:sld xmlns:a="http://schemas.openxmlformats.org/drawingml/2006/main" xmlns:r="http://schemas.openxmlformats.org/officeDocument/2006/relationships" xmlns:p="http://schemas.openxmlformats.org/presentationml/2006/main">
-  <p:cSld>
-    <p:spTree>
-      <p:nvGrpSpPr>
-        <p:cNvPr id="1" name="">
-          <a:extLst>
-            <a:ext uri="{FF2B5EF4-FFF2-40B4-BE49-F238E27FC236}">
-              <a16:creationId xmlns:a16="http://schemas.microsoft.com/office/drawing/2014/main" id="{EEBE7981-BB75-E6BD-2623-18CE888B52ED}"/>
-            </a:ext>
-          </a:extLst>
-        </p:cNvPr>
-        <p:cNvGrpSpPr/>
-        <p:nvPr/>
-      </p:nvGrpSpPr>
-      <p:grpSpPr>
-        <a:xfrm>
-          <a:off x="0" y="0"/>
-          <a:ext cx="0" cy="0"/>
-          <a:chOff x="0" y="0"/>
-          <a:chExt cx="0" cy="0"/>
-        </a:xfrm>
-      </p:grpSpPr>
-      <p:sp>
-        <p:nvSpPr>
-          <p:cNvPr id="2" name="TextBox 2">
-            <a:extLst>
-              <a:ext uri="{FF2B5EF4-FFF2-40B4-BE49-F238E27FC236}">
-                <a16:creationId xmlns:a16="http://schemas.microsoft.com/office/drawing/2014/main" id="{D32A2C6D-2850-6C78-DDDF-E3A23CA3C0BE}"/>
-              </a:ext>
-            </a:extLst>
-          </p:cNvPr>
-          <p:cNvSpPr txBox="1"/>
-          <p:nvPr/>
-        </p:nvSpPr>
-        <p:spPr>
-          <a:xfrm>
-            <a:off x="1028700" y="3756017"/>
-            <a:ext cx="7067106" cy="4256743"/>
-          </a:xfrm>
-          <a:prstGeom prst="rect">
-            <a:avLst/>
-          </a:prstGeom>
-        </p:spPr>
-        <p:txBody>
-          <a:bodyPr lIns="0" tIns="0" rIns="0" bIns="0" rtlCol="0" anchor="t">
-            <a:spAutoFit/>
-          </a:bodyPr>
-          <a:lstStyle/>
-          <a:p>
-            <a:pPr algn="just">
-              <a:lnSpc>
-                <a:spcPts val="4200"/>
-              </a:lnSpc>
-            </a:pPr>
-            <a:r>
-              <a:rPr lang="en-US" sz="3000" b="1" dirty="0">
-                <a:solidFill>
-                  <a:srgbClr val="252D37"/>
-                </a:solidFill>
-                <a:latin typeface="Maven Pro"/>
-                <a:ea typeface="Maven Pro"/>
-                <a:cs typeface="Maven Pro"/>
-                <a:sym typeface="Maven Pro"/>
-              </a:rPr>
-              <a:t>ARIMA:</a:t>
-            </a:r>
-            <a:r>
-              <a:rPr lang="en-US" sz="3000" dirty="0">
-                <a:solidFill>
-                  <a:srgbClr val="252D37"/>
-                </a:solidFill>
-                <a:latin typeface="Maven Pro"/>
-                <a:ea typeface="Maven Pro"/>
-                <a:cs typeface="Maven Pro"/>
-                <a:sym typeface="Maven Pro"/>
-              </a:rPr>
-              <a:t> ﻿</a:t>
-            </a:r>
-          </a:p>
-          <a:p>
-            <a:pPr algn="just">
-              <a:lnSpc>
-                <a:spcPts val="4200"/>
-              </a:lnSpc>
-            </a:pPr>
-            <a:r>
-              <a:rPr lang="en-US" sz="3000" dirty="0">
-                <a:solidFill>
-                  <a:srgbClr val="252D37"/>
-                </a:solidFill>
-                <a:latin typeface="Maven Pro"/>
-                <a:ea typeface="Maven Pro"/>
-                <a:cs typeface="Maven Pro"/>
-                <a:sym typeface="Maven Pro"/>
-              </a:rPr>
-              <a:t>ARIMA, suitable for time series data, demonstrated strong trend modeling but struggled with the dataset’s multidimensionality, resulting in an RMSE of 11,500. Despite its limitations, it effectively captured temporal dependencies.</a:t>
-            </a:r>
-          </a:p>
-        </p:txBody>
-      </p:sp>
-      <p:sp>
-        <p:nvSpPr>
-          <p:cNvPr id="3" name="TextBox 3">
-            <a:extLst>
-              <a:ext uri="{FF2B5EF4-FFF2-40B4-BE49-F238E27FC236}">
-                <a16:creationId xmlns:a16="http://schemas.microsoft.com/office/drawing/2014/main" id="{09E05889-1AB0-6038-B13B-6AB6634A4A07}"/>
-              </a:ext>
-            </a:extLst>
-          </p:cNvPr>
-          <p:cNvSpPr txBox="1"/>
-          <p:nvPr/>
-        </p:nvSpPr>
-        <p:spPr>
-          <a:xfrm>
-            <a:off x="4596087" y="1912981"/>
-            <a:ext cx="9095826" cy="835550"/>
-          </a:xfrm>
-          <a:prstGeom prst="rect">
-            <a:avLst/>
-          </a:prstGeom>
-        </p:spPr>
-        <p:txBody>
-          <a:bodyPr lIns="0" tIns="0" rIns="0" bIns="0" rtlCol="0" anchor="t">
-            <a:spAutoFit/>
-          </a:bodyPr>
-          <a:lstStyle/>
-          <a:p>
-            <a:pPr algn="ctr">
-              <a:lnSpc>
-                <a:spcPts val="6400"/>
-              </a:lnSpc>
-            </a:pPr>
-            <a:r>
-              <a:rPr lang="en-US" sz="8000" b="1" dirty="0">
-                <a:solidFill>
-                  <a:srgbClr val="252D37"/>
-                </a:solidFill>
-                <a:latin typeface="Maven Pro Bold"/>
-                <a:ea typeface="Maven Pro Bold"/>
-                <a:cs typeface="Maven Pro Bold"/>
-                <a:sym typeface="Maven Pro Bold"/>
-              </a:rPr>
-              <a:t>ML ALGORITHMS</a:t>
-            </a:r>
-          </a:p>
-        </p:txBody>
-      </p:sp>
-      <p:sp>
-        <p:nvSpPr>
-          <p:cNvPr id="4" name="TextBox 4">
-            <a:extLst>
-              <a:ext uri="{FF2B5EF4-FFF2-40B4-BE49-F238E27FC236}">
-                <a16:creationId xmlns:a16="http://schemas.microsoft.com/office/drawing/2014/main" id="{61B24588-31B3-34E7-C52F-3DAB467D6483}"/>
-              </a:ext>
-            </a:extLst>
-          </p:cNvPr>
-          <p:cNvSpPr txBox="1"/>
-          <p:nvPr/>
-        </p:nvSpPr>
-        <p:spPr>
-          <a:xfrm>
-            <a:off x="10157619" y="3756017"/>
-            <a:ext cx="7101681" cy="3179525"/>
-          </a:xfrm>
-          <a:prstGeom prst="rect">
-            <a:avLst/>
-          </a:prstGeom>
-        </p:spPr>
-        <p:txBody>
-          <a:bodyPr lIns="0" tIns="0" rIns="0" bIns="0" rtlCol="0" anchor="t">
-            <a:spAutoFit/>
-          </a:bodyPr>
-          <a:lstStyle/>
-          <a:p>
-            <a:pPr algn="just">
-              <a:lnSpc>
-                <a:spcPts val="4200"/>
-              </a:lnSpc>
-            </a:pPr>
-            <a:r>
-              <a:rPr lang="en-US" sz="3000" b="1" dirty="0">
-                <a:solidFill>
-                  <a:srgbClr val="252D37"/>
-                </a:solidFill>
-                <a:latin typeface="Maven Pro"/>
-                <a:ea typeface="Maven Pro"/>
-                <a:cs typeface="Maven Pro"/>
-                <a:sym typeface="Maven Pro"/>
-              </a:rPr>
-              <a:t>Gradient Boosting Machines:</a:t>
-            </a:r>
-            <a:r>
-              <a:rPr lang="en-US" sz="3000" dirty="0">
-                <a:solidFill>
-                  <a:srgbClr val="252D37"/>
-                </a:solidFill>
-                <a:latin typeface="Maven Pro"/>
-                <a:ea typeface="Maven Pro"/>
-                <a:cs typeface="Maven Pro"/>
-                <a:sym typeface="Maven Pro"/>
-              </a:rPr>
-              <a:t>﻿</a:t>
-            </a:r>
-          </a:p>
-          <a:p>
-            <a:pPr algn="just">
-              <a:lnSpc>
-                <a:spcPts val="4200"/>
-              </a:lnSpc>
-            </a:pPr>
-            <a:r>
-              <a:rPr lang="en-US" sz="3000" dirty="0">
-                <a:solidFill>
-                  <a:srgbClr val="252D37"/>
-                </a:solidFill>
-                <a:latin typeface="Maven Pro"/>
-                <a:ea typeface="Maven Pro"/>
-                <a:cs typeface="Maven Pro"/>
-                <a:sym typeface="Maven Pro"/>
-              </a:rPr>
-              <a:t>Gradient Boosting Machines improved performance with an RMSE of 9,200, benefiting from its ability to handle non-linear relationships and boosting iterative improvements</a:t>
-            </a:r>
-          </a:p>
-        </p:txBody>
-      </p:sp>
-      <p:sp>
-        <p:nvSpPr>
-          <p:cNvPr id="5" name="Freeform 5">
-            <a:extLst>
-              <a:ext uri="{FF2B5EF4-FFF2-40B4-BE49-F238E27FC236}">
-                <a16:creationId xmlns:a16="http://schemas.microsoft.com/office/drawing/2014/main" id="{D33D0C6F-B09A-E884-A9B9-9C6D81068F8D}"/>
-              </a:ext>
-            </a:extLst>
-          </p:cNvPr>
-          <p:cNvSpPr/>
-          <p:nvPr/>
-        </p:nvSpPr>
-        <p:spPr>
-          <a:xfrm>
-            <a:off x="0" y="8229600"/>
-            <a:ext cx="516220" cy="2057400"/>
-          </a:xfrm>
-          <a:custGeom>
-            <a:avLst/>
-            <a:gdLst/>
-            <a:ahLst/>
-            <a:cxnLst/>
-            <a:rect l="l" t="t" r="r" b="b"/>
-            <a:pathLst>
-              <a:path w="516220" h="2057400">
-                <a:moveTo>
-                  <a:pt x="0" y="0"/>
-                </a:moveTo>
-                <a:lnTo>
-                  <a:pt x="516220" y="0"/>
-                </a:lnTo>
-                <a:lnTo>
-                  <a:pt x="516220" y="2057400"/>
-                </a:lnTo>
-                <a:lnTo>
-                  <a:pt x="0" y="2057400"/>
-                </a:lnTo>
-                <a:lnTo>
-                  <a:pt x="0" y="0"/>
-                </a:lnTo>
-                <a:close/>
-              </a:path>
-            </a:pathLst>
-          </a:custGeom>
-          <a:blipFill>
-            <a:blip r:embed="rId2">
-              <a:extLst>
-                <a:ext uri="{96DAC541-7B7A-43D3-8B79-37D633B846F1}">
-                  <asvg:svgBlip xmlns:asvg="http://schemas.microsoft.com/office/drawing/2016/SVG/main" r:embed="rId3"/>
-                </a:ext>
-              </a:extLst>
-            </a:blip>
-            <a:stretch>
-              <a:fillRect/>
-            </a:stretch>
-          </a:blipFill>
-        </p:spPr>
-        <p:txBody>
-          <a:bodyPr/>
-          <a:lstStyle/>
-          <a:p>
-            <a:endParaRPr lang="en-US"/>
-          </a:p>
-        </p:txBody>
-      </p:sp>
-      <p:sp>
-        <p:nvSpPr>
-          <p:cNvPr id="6" name="Freeform 6">
-            <a:extLst>
-              <a:ext uri="{FF2B5EF4-FFF2-40B4-BE49-F238E27FC236}">
-                <a16:creationId xmlns:a16="http://schemas.microsoft.com/office/drawing/2014/main" id="{ED7245A5-5FAD-4EDD-717F-517B30CBDA6B}"/>
-              </a:ext>
-            </a:extLst>
-          </p:cNvPr>
-          <p:cNvSpPr/>
-          <p:nvPr/>
-        </p:nvSpPr>
-        <p:spPr>
-          <a:xfrm>
-            <a:off x="1028700" y="9077308"/>
-            <a:ext cx="2716317" cy="1358159"/>
-          </a:xfrm>
-          <a:custGeom>
-            <a:avLst/>
-            <a:gdLst/>
-            <a:ahLst/>
-            <a:cxnLst/>
-            <a:rect l="l" t="t" r="r" b="b"/>
-            <a:pathLst>
-              <a:path w="2716317" h="1358159">
-                <a:moveTo>
-                  <a:pt x="0" y="0"/>
-                </a:moveTo>
-                <a:lnTo>
-                  <a:pt x="2716317" y="0"/>
-                </a:lnTo>
-                <a:lnTo>
-                  <a:pt x="2716317" y="1358159"/>
-                </a:lnTo>
-                <a:lnTo>
-                  <a:pt x="0" y="1358159"/>
-                </a:lnTo>
-                <a:lnTo>
-                  <a:pt x="0" y="0"/>
-                </a:lnTo>
-                <a:close/>
-              </a:path>
-            </a:pathLst>
-          </a:custGeom>
-          <a:blipFill>
-            <a:blip r:embed="rId4">
-              <a:extLst>
-                <a:ext uri="{96DAC541-7B7A-43D3-8B79-37D633B846F1}">
-                  <asvg:svgBlip xmlns:asvg="http://schemas.microsoft.com/office/drawing/2016/SVG/main" r:embed="rId5"/>
-                </a:ext>
-              </a:extLst>
-            </a:blip>
-            <a:stretch>
-              <a:fillRect/>
-            </a:stretch>
-          </a:blipFill>
-        </p:spPr>
-        <p:txBody>
-          <a:bodyPr/>
-          <a:lstStyle/>
-          <a:p>
-            <a:endParaRPr lang="en-US"/>
-          </a:p>
-        </p:txBody>
-      </p:sp>
-      <p:sp>
-        <p:nvSpPr>
-          <p:cNvPr id="7" name="Freeform 7">
-            <a:extLst>
-              <a:ext uri="{FF2B5EF4-FFF2-40B4-BE49-F238E27FC236}">
-                <a16:creationId xmlns:a16="http://schemas.microsoft.com/office/drawing/2014/main" id="{C432E515-9351-F8F1-3091-B9E2C09C4B38}"/>
-              </a:ext>
-            </a:extLst>
-          </p:cNvPr>
-          <p:cNvSpPr/>
-          <p:nvPr/>
-        </p:nvSpPr>
-        <p:spPr>
-          <a:xfrm>
-            <a:off x="14354175" y="-123825"/>
-            <a:ext cx="4114800" cy="4114800"/>
-          </a:xfrm>
-          <a:custGeom>
-            <a:avLst/>
-            <a:gdLst/>
-            <a:ahLst/>
-            <a:cxnLst/>
-            <a:rect l="l" t="t" r="r" b="b"/>
-            <a:pathLst>
-              <a:path w="4114800" h="4114800">
-                <a:moveTo>
-                  <a:pt x="0" y="0"/>
-                </a:moveTo>
-                <a:lnTo>
-                  <a:pt x="4114800" y="0"/>
-                </a:lnTo>
-                <a:lnTo>
-                  <a:pt x="4114800" y="4114800"/>
-                </a:lnTo>
-                <a:lnTo>
-                  <a:pt x="0" y="4114800"/>
-                </a:lnTo>
-                <a:lnTo>
-                  <a:pt x="0" y="0"/>
-                </a:lnTo>
-                <a:close/>
-              </a:path>
-            </a:pathLst>
-          </a:custGeom>
-          <a:blipFill>
-            <a:blip r:embed="rId6">
-              <a:extLst>
-                <a:ext uri="{96DAC541-7B7A-43D3-8B79-37D633B846F1}">
-                  <asvg:svgBlip xmlns:asvg="http://schemas.microsoft.com/office/drawing/2016/SVG/main" r:embed="rId7"/>
-                </a:ext>
-              </a:extLst>
-            </a:blip>
-            <a:stretch>
-              <a:fillRect/>
-            </a:stretch>
-          </a:blipFill>
-        </p:spPr>
-        <p:txBody>
-          <a:bodyPr/>
-          <a:lstStyle/>
-          <a:p>
-            <a:endParaRPr lang="en-US"/>
+              <a:t>CORRELATION MATRIX</a:t>
+            </a:r>
           </a:p>
         </p:txBody>
       </p:sp>
     </p:spTree>
     <p:extLst>
       <p:ext uri="{BB962C8B-B14F-4D97-AF65-F5344CB8AC3E}">
-        <p14:creationId xmlns:p14="http://schemas.microsoft.com/office/powerpoint/2010/main" val="3130686645"/>
+        <p14:creationId xmlns:p14="http://schemas.microsoft.com/office/powerpoint/2010/main" val="2209169304"/>
       </p:ext>
     </p:extLst>
   </p:cSld>
@@ -12281,372 +12658,7 @@
 </p:sld>
 </file>
 
-<file path=ppt/slides/slide7.xml><?xml version="1.0" encoding="utf-8"?>
-<p:sld xmlns:a="http://schemas.openxmlformats.org/drawingml/2006/main" xmlns:r="http://schemas.openxmlformats.org/officeDocument/2006/relationships" xmlns:p="http://schemas.openxmlformats.org/presentationml/2006/main">
-  <p:cSld>
-    <p:spTree>
-      <p:nvGrpSpPr>
-        <p:cNvPr id="1" name="">
-          <a:extLst>
-            <a:ext uri="{FF2B5EF4-FFF2-40B4-BE49-F238E27FC236}">
-              <a16:creationId xmlns:a16="http://schemas.microsoft.com/office/drawing/2014/main" id="{954CB1E0-9FE9-C5BF-D5F4-D1B13F88F4F5}"/>
-            </a:ext>
-          </a:extLst>
-        </p:cNvPr>
-        <p:cNvGrpSpPr/>
-        <p:nvPr/>
-      </p:nvGrpSpPr>
-      <p:grpSpPr>
-        <a:xfrm>
-          <a:off x="0" y="0"/>
-          <a:ext cx="0" cy="0"/>
-          <a:chOff x="0" y="0"/>
-          <a:chExt cx="0" cy="0"/>
-        </a:xfrm>
-      </p:grpSpPr>
-      <p:sp>
-        <p:nvSpPr>
-          <p:cNvPr id="2" name="TextBox 2">
-            <a:extLst>
-              <a:ext uri="{FF2B5EF4-FFF2-40B4-BE49-F238E27FC236}">
-                <a16:creationId xmlns:a16="http://schemas.microsoft.com/office/drawing/2014/main" id="{81E31697-BCA6-B7ED-57D9-F7F0D7841F84}"/>
-              </a:ext>
-            </a:extLst>
-          </p:cNvPr>
-          <p:cNvSpPr txBox="1"/>
-          <p:nvPr/>
-        </p:nvSpPr>
-        <p:spPr>
-          <a:xfrm>
-            <a:off x="2495361" y="4238452"/>
-            <a:ext cx="13297277" cy="3632918"/>
-          </a:xfrm>
-          <a:prstGeom prst="rect">
-            <a:avLst/>
-          </a:prstGeom>
-        </p:spPr>
-        <p:txBody>
-          <a:bodyPr lIns="0" tIns="0" rIns="0" bIns="0" rtlCol="0" anchor="t">
-            <a:spAutoFit/>
-          </a:bodyPr>
-          <a:lstStyle/>
-          <a:p>
-            <a:pPr algn="just">
-              <a:lnSpc>
-                <a:spcPts val="4759"/>
-              </a:lnSpc>
-            </a:pPr>
-            <a:r>
-              <a:rPr lang="en-US" sz="3399" b="1" dirty="0">
-                <a:solidFill>
-                  <a:srgbClr val="252930"/>
-                </a:solidFill>
-                <a:latin typeface="Maven Pro"/>
-                <a:ea typeface="Maven Pro"/>
-                <a:cs typeface="Maven Pro"/>
-                <a:sym typeface="Maven Pro"/>
-              </a:rPr>
-              <a:t>LSTM:</a:t>
-            </a:r>
-            <a:r>
-              <a:rPr lang="en-US" sz="3399" dirty="0">
-                <a:solidFill>
-                  <a:srgbClr val="252930"/>
-                </a:solidFill>
-                <a:latin typeface="Maven Pro"/>
-                <a:ea typeface="Maven Pro"/>
-                <a:cs typeface="Maven Pro"/>
-                <a:sym typeface="Maven Pro"/>
-              </a:rPr>
-              <a:t>﻿</a:t>
-            </a:r>
-          </a:p>
-          <a:p>
-            <a:pPr algn="just">
-              <a:lnSpc>
-                <a:spcPts val="4759"/>
-              </a:lnSpc>
-            </a:pPr>
-            <a:r>
-              <a:rPr lang="en-US" sz="3399" dirty="0">
-                <a:solidFill>
-                  <a:srgbClr val="252930"/>
-                </a:solidFill>
-                <a:latin typeface="Maven Pro"/>
-                <a:ea typeface="Maven Pro"/>
-                <a:cs typeface="Maven Pro"/>
-                <a:sym typeface="Maven Pro"/>
-              </a:rPr>
-              <a:t>LSTM networks outperformed all other models, achieving an RMSE of 8,500 and an R² score of 0.82 due to their capability to model sequential dependencies. This model’s ability to process long-term patterns and interactions between features was instrumental in its success.</a:t>
-            </a:r>
-          </a:p>
-        </p:txBody>
-      </p:sp>
-      <p:sp>
-        <p:nvSpPr>
-          <p:cNvPr id="3" name="TextBox 3">
-            <a:extLst>
-              <a:ext uri="{FF2B5EF4-FFF2-40B4-BE49-F238E27FC236}">
-                <a16:creationId xmlns:a16="http://schemas.microsoft.com/office/drawing/2014/main" id="{F3C289BB-107D-E558-36B6-09F0712A5C39}"/>
-              </a:ext>
-            </a:extLst>
-          </p:cNvPr>
-          <p:cNvSpPr txBox="1"/>
-          <p:nvPr/>
-        </p:nvSpPr>
-        <p:spPr>
-          <a:xfrm>
-            <a:off x="2999625" y="2095429"/>
-            <a:ext cx="12288749" cy="956544"/>
-          </a:xfrm>
-          <a:prstGeom prst="rect">
-            <a:avLst/>
-          </a:prstGeom>
-        </p:spPr>
-        <p:txBody>
-          <a:bodyPr lIns="0" tIns="0" rIns="0" bIns="0" rtlCol="0" anchor="t">
-            <a:spAutoFit/>
-          </a:bodyPr>
-          <a:lstStyle/>
-          <a:p>
-            <a:pPr algn="ctr">
-              <a:lnSpc>
-                <a:spcPts val="7200"/>
-              </a:lnSpc>
-            </a:pPr>
-            <a:r>
-              <a:rPr lang="en-US" sz="9600" b="1" dirty="0">
-                <a:solidFill>
-                  <a:srgbClr val="252D37"/>
-                </a:solidFill>
-                <a:latin typeface="Maven Pro Bold"/>
-                <a:ea typeface="Maven Pro Bold"/>
-                <a:cs typeface="Maven Pro Bold"/>
-                <a:sym typeface="Maven Pro Bold"/>
-              </a:rPr>
-              <a:t>ML ALGORITHMS</a:t>
-            </a:r>
-            <a:endParaRPr lang="en-US" sz="9000" b="1" dirty="0">
-              <a:solidFill>
-                <a:srgbClr val="252930"/>
-              </a:solidFill>
-              <a:latin typeface="Maven Pro Bold"/>
-              <a:ea typeface="Maven Pro Bold"/>
-              <a:cs typeface="Maven Pro Bold"/>
-              <a:sym typeface="Maven Pro Bold"/>
-            </a:endParaRPr>
-          </a:p>
-        </p:txBody>
-      </p:sp>
-      <p:sp>
-        <p:nvSpPr>
-          <p:cNvPr id="4" name="Freeform 4">
-            <a:extLst>
-              <a:ext uri="{FF2B5EF4-FFF2-40B4-BE49-F238E27FC236}">
-                <a16:creationId xmlns:a16="http://schemas.microsoft.com/office/drawing/2014/main" id="{F447DD02-9BAF-92E5-4E19-320975A70F55}"/>
-              </a:ext>
-            </a:extLst>
-          </p:cNvPr>
-          <p:cNvSpPr/>
-          <p:nvPr/>
-        </p:nvSpPr>
-        <p:spPr>
-          <a:xfrm flipH="1">
-            <a:off x="-211950" y="-104775"/>
-            <a:ext cx="4114800" cy="4114800"/>
-          </a:xfrm>
-          <a:custGeom>
-            <a:avLst/>
-            <a:gdLst/>
-            <a:ahLst/>
-            <a:cxnLst/>
-            <a:rect l="l" t="t" r="r" b="b"/>
-            <a:pathLst>
-              <a:path w="4114800" h="4114800">
-                <a:moveTo>
-                  <a:pt x="4114800" y="0"/>
-                </a:moveTo>
-                <a:lnTo>
-                  <a:pt x="0" y="0"/>
-                </a:lnTo>
-                <a:lnTo>
-                  <a:pt x="0" y="4114800"/>
-                </a:lnTo>
-                <a:lnTo>
-                  <a:pt x="4114800" y="4114800"/>
-                </a:lnTo>
-                <a:lnTo>
-                  <a:pt x="4114800" y="0"/>
-                </a:lnTo>
-                <a:close/>
-              </a:path>
-            </a:pathLst>
-          </a:custGeom>
-          <a:blipFill>
-            <a:blip r:embed="rId2">
-              <a:extLst>
-                <a:ext uri="{96DAC541-7B7A-43D3-8B79-37D633B846F1}">
-                  <asvg:svgBlip xmlns:asvg="http://schemas.microsoft.com/office/drawing/2016/SVG/main" r:embed="rId3"/>
-                </a:ext>
-              </a:extLst>
-            </a:blip>
-            <a:stretch>
-              <a:fillRect/>
-            </a:stretch>
-          </a:blipFill>
-        </p:spPr>
-        <p:txBody>
-          <a:bodyPr/>
-          <a:lstStyle/>
-          <a:p>
-            <a:endParaRPr lang="en-US"/>
-          </a:p>
-        </p:txBody>
-      </p:sp>
-      <p:sp>
-        <p:nvSpPr>
-          <p:cNvPr id="5" name="Freeform 5">
-            <a:extLst>
-              <a:ext uri="{FF2B5EF4-FFF2-40B4-BE49-F238E27FC236}">
-                <a16:creationId xmlns:a16="http://schemas.microsoft.com/office/drawing/2014/main" id="{0B6DD7BA-6D8C-6DF6-DE84-77714CD2609F}"/>
-              </a:ext>
-            </a:extLst>
-          </p:cNvPr>
-          <p:cNvSpPr/>
-          <p:nvPr/>
-        </p:nvSpPr>
-        <p:spPr>
-          <a:xfrm>
-            <a:off x="17773650" y="8229600"/>
-            <a:ext cx="516220" cy="2057400"/>
-          </a:xfrm>
-          <a:custGeom>
-            <a:avLst/>
-            <a:gdLst/>
-            <a:ahLst/>
-            <a:cxnLst/>
-            <a:rect l="l" t="t" r="r" b="b"/>
-            <a:pathLst>
-              <a:path w="516220" h="2057400">
-                <a:moveTo>
-                  <a:pt x="0" y="0"/>
-                </a:moveTo>
-                <a:lnTo>
-                  <a:pt x="516220" y="0"/>
-                </a:lnTo>
-                <a:lnTo>
-                  <a:pt x="516220" y="2057400"/>
-                </a:lnTo>
-                <a:lnTo>
-                  <a:pt x="0" y="2057400"/>
-                </a:lnTo>
-                <a:lnTo>
-                  <a:pt x="0" y="0"/>
-                </a:lnTo>
-                <a:close/>
-              </a:path>
-            </a:pathLst>
-          </a:custGeom>
-          <a:blipFill>
-            <a:blip r:embed="rId4">
-              <a:extLst>
-                <a:ext uri="{96DAC541-7B7A-43D3-8B79-37D633B846F1}">
-                  <asvg:svgBlip xmlns:asvg="http://schemas.microsoft.com/office/drawing/2016/SVG/main" r:embed="rId5"/>
-                </a:ext>
-              </a:extLst>
-            </a:blip>
-            <a:stretch>
-              <a:fillRect/>
-            </a:stretch>
-          </a:blipFill>
-        </p:spPr>
-        <p:txBody>
-          <a:bodyPr/>
-          <a:lstStyle/>
-          <a:p>
-            <a:endParaRPr lang="en-US"/>
-          </a:p>
-        </p:txBody>
-      </p:sp>
-      <p:sp>
-        <p:nvSpPr>
-          <p:cNvPr id="6" name="Freeform 6">
-            <a:extLst>
-              <a:ext uri="{FF2B5EF4-FFF2-40B4-BE49-F238E27FC236}">
-                <a16:creationId xmlns:a16="http://schemas.microsoft.com/office/drawing/2014/main" id="{9CAB93FB-7987-F89D-1170-59601645DDA5}"/>
-              </a:ext>
-            </a:extLst>
-          </p:cNvPr>
-          <p:cNvSpPr/>
-          <p:nvPr/>
-        </p:nvSpPr>
-        <p:spPr>
-          <a:xfrm>
-            <a:off x="14542983" y="9077308"/>
-            <a:ext cx="2716317" cy="1358159"/>
-          </a:xfrm>
-          <a:custGeom>
-            <a:avLst/>
-            <a:gdLst/>
-            <a:ahLst/>
-            <a:cxnLst/>
-            <a:rect l="l" t="t" r="r" b="b"/>
-            <a:pathLst>
-              <a:path w="2716317" h="1358159">
-                <a:moveTo>
-                  <a:pt x="0" y="0"/>
-                </a:moveTo>
-                <a:lnTo>
-                  <a:pt x="2716317" y="0"/>
-                </a:lnTo>
-                <a:lnTo>
-                  <a:pt x="2716317" y="1358159"/>
-                </a:lnTo>
-                <a:lnTo>
-                  <a:pt x="0" y="1358159"/>
-                </a:lnTo>
-                <a:lnTo>
-                  <a:pt x="0" y="0"/>
-                </a:lnTo>
-                <a:close/>
-              </a:path>
-            </a:pathLst>
-          </a:custGeom>
-          <a:blipFill>
-            <a:blip r:embed="rId6">
-              <a:extLst>
-                <a:ext uri="{96DAC541-7B7A-43D3-8B79-37D633B846F1}">
-                  <asvg:svgBlip xmlns:asvg="http://schemas.microsoft.com/office/drawing/2016/SVG/main" r:embed="rId7"/>
-                </a:ext>
-              </a:extLst>
-            </a:blip>
-            <a:stretch>
-              <a:fillRect/>
-            </a:stretch>
-          </a:blipFill>
-        </p:spPr>
-        <p:txBody>
-          <a:bodyPr/>
-          <a:lstStyle/>
-          <a:p>
-            <a:endParaRPr lang="en-US"/>
-          </a:p>
-        </p:txBody>
-      </p:sp>
-    </p:spTree>
-    <p:extLst>
-      <p:ext uri="{BB962C8B-B14F-4D97-AF65-F5344CB8AC3E}">
-        <p14:creationId xmlns:p14="http://schemas.microsoft.com/office/powerpoint/2010/main" val="955272699"/>
-      </p:ext>
-    </p:extLst>
-  </p:cSld>
-  <p:clrMapOvr>
-    <a:masterClrMapping/>
-  </p:clrMapOvr>
-</p:sld>
-</file>
-
-<file path=ppt/slides/slide8.xml><?xml version="1.0" encoding="utf-8"?>
+<file path=ppt/slides/slide6.xml><?xml version="1.0" encoding="utf-8"?>
 <p:sld xmlns:a="http://schemas.openxmlformats.org/drawingml/2006/main" xmlns:r="http://schemas.openxmlformats.org/officeDocument/2006/relationships" xmlns:p="http://schemas.openxmlformats.org/presentationml/2006/main">
   <p:cSld>
     <p:bg>
@@ -12671,284 +12683,15 @@
           <a:chExt cx="0" cy="0"/>
         </a:xfrm>
       </p:grpSpPr>
-      <p:sp>
-        <p:nvSpPr>
-          <p:cNvPr id="2" name="TextBox 2"/>
-          <p:cNvSpPr txBox="1"/>
-          <p:nvPr/>
-        </p:nvSpPr>
-        <p:spPr>
-          <a:xfrm>
-            <a:off x="1214005" y="3079424"/>
-            <a:ext cx="8219327" cy="6949788"/>
-          </a:xfrm>
-          <a:prstGeom prst="rect">
-            <a:avLst/>
-          </a:prstGeom>
-        </p:spPr>
-        <p:txBody>
-          <a:bodyPr lIns="0" tIns="0" rIns="0" bIns="0" rtlCol="0" anchor="t">
-            <a:spAutoFit/>
-          </a:bodyPr>
-          <a:lstStyle/>
-          <a:p>
-            <a:pPr algn="just">
-              <a:lnSpc>
-                <a:spcPts val="4200"/>
-              </a:lnSpc>
-            </a:pPr>
-            <a:r>
-              <a:rPr lang="en-US" sz="3000" dirty="0">
-                <a:solidFill>
-                  <a:srgbClr val="252930"/>
-                </a:solidFill>
-                <a:latin typeface="Maven Pro"/>
-                <a:ea typeface="Maven Pro"/>
-                <a:cs typeface="Maven Pro"/>
-                <a:sym typeface="Maven Pro"/>
-              </a:rPr>
-              <a:t>﻿</a:t>
-            </a:r>
-            <a:r>
-              <a:rPr lang="en-US" sz="3000" b="1" dirty="0">
-                <a:solidFill>
-                  <a:srgbClr val="252930"/>
-                </a:solidFill>
-                <a:latin typeface="Maven Pro"/>
-                <a:ea typeface="Maven Pro"/>
-                <a:cs typeface="Maven Pro"/>
-                <a:sym typeface="Maven Pro"/>
-              </a:rPr>
-              <a:t>Decision Tree Regression</a:t>
-            </a:r>
-          </a:p>
-          <a:p>
-            <a:pPr algn="just">
-              <a:lnSpc>
-                <a:spcPts val="4200"/>
-              </a:lnSpc>
-            </a:pPr>
-            <a:endParaRPr lang="en-US" sz="3000" b="1" dirty="0">
-              <a:solidFill>
-                <a:srgbClr val="252930"/>
-              </a:solidFill>
-              <a:latin typeface="Maven Pro"/>
-              <a:ea typeface="Maven Pro"/>
-              <a:cs typeface="Maven Pro"/>
-              <a:sym typeface="Maven Pro"/>
-            </a:endParaRPr>
-          </a:p>
-          <a:p>
-            <a:pPr algn="just">
-              <a:lnSpc>
-                <a:spcPts val="4200"/>
-              </a:lnSpc>
-            </a:pPr>
-            <a:r>
-              <a:rPr lang="en-US" sz="3000" dirty="0">
-                <a:solidFill>
-                  <a:srgbClr val="252930"/>
-                </a:solidFill>
-                <a:latin typeface="Maven Pro"/>
-                <a:ea typeface="Maven Pro"/>
-                <a:cs typeface="Maven Pro"/>
-                <a:sym typeface="Maven Pro"/>
-              </a:rPr>
-              <a:t>Dataset: </a:t>
-            </a:r>
-          </a:p>
-          <a:p>
-            <a:pPr algn="just">
-              <a:lnSpc>
-                <a:spcPts val="4200"/>
-              </a:lnSpc>
-            </a:pPr>
-            <a:r>
-              <a:rPr lang="en-US" sz="3000" dirty="0">
-                <a:solidFill>
-                  <a:srgbClr val="252930"/>
-                </a:solidFill>
-                <a:latin typeface="Maven Pro"/>
-                <a:ea typeface="Maven Pro"/>
-                <a:cs typeface="Maven Pro"/>
-                <a:sym typeface="Maven Pro"/>
-              </a:rPr>
-              <a:t>Full dataset with all features included.</a:t>
-            </a:r>
-          </a:p>
-          <a:p>
-            <a:pPr algn="just">
-              <a:lnSpc>
-                <a:spcPts val="4200"/>
-              </a:lnSpc>
-            </a:pPr>
-            <a:endParaRPr lang="en-US" sz="3000" dirty="0">
-              <a:solidFill>
-                <a:srgbClr val="252930"/>
-              </a:solidFill>
-              <a:latin typeface="Maven Pro"/>
-              <a:ea typeface="Maven Pro"/>
-              <a:cs typeface="Maven Pro"/>
-              <a:sym typeface="Maven Pro"/>
-            </a:endParaRPr>
-          </a:p>
-          <a:p>
-            <a:pPr algn="just">
-              <a:lnSpc>
-                <a:spcPts val="4200"/>
-              </a:lnSpc>
-            </a:pPr>
-            <a:r>
-              <a:rPr lang="en-US" sz="3000" dirty="0">
-                <a:solidFill>
-                  <a:srgbClr val="252930"/>
-                </a:solidFill>
-                <a:latin typeface="Maven Pro"/>
-                <a:ea typeface="Maven Pro"/>
-                <a:cs typeface="Maven Pro"/>
-                <a:sym typeface="Maven Pro"/>
-              </a:rPr>
-              <a:t>Results:</a:t>
-            </a:r>
-          </a:p>
-          <a:p>
-            <a:pPr algn="just">
-              <a:lnSpc>
-                <a:spcPts val="4200"/>
-              </a:lnSpc>
-            </a:pPr>
-            <a:r>
-              <a:rPr lang="en-US" sz="3000" dirty="0">
-                <a:solidFill>
-                  <a:srgbClr val="252930"/>
-                </a:solidFill>
-                <a:latin typeface="Maven Pro"/>
-                <a:ea typeface="Maven Pro"/>
-                <a:cs typeface="Maven Pro"/>
-                <a:sym typeface="Maven Pro"/>
-              </a:rPr>
-              <a:t>RMSE: 175,058</a:t>
-            </a:r>
-          </a:p>
-          <a:p>
-            <a:pPr algn="just">
-              <a:lnSpc>
-                <a:spcPts val="4200"/>
-              </a:lnSpc>
-            </a:pPr>
-            <a:r>
-              <a:rPr lang="en-US" sz="3000" dirty="0">
-                <a:solidFill>
-                  <a:srgbClr val="252930"/>
-                </a:solidFill>
-                <a:latin typeface="Maven Pro"/>
-                <a:ea typeface="Maven Pro"/>
-                <a:cs typeface="Maven Pro"/>
-                <a:sym typeface="Maven Pro"/>
-              </a:rPr>
-              <a:t>R2R2R2: 0.90 ˆ</a:t>
-            </a:r>
-          </a:p>
-          <a:p>
-            <a:pPr algn="just">
-              <a:lnSpc>
-                <a:spcPts val="4200"/>
-              </a:lnSpc>
-            </a:pPr>
-            <a:endParaRPr lang="en-US" sz="3000" dirty="0">
-              <a:solidFill>
-                <a:srgbClr val="252930"/>
-              </a:solidFill>
-              <a:latin typeface="Maven Pro"/>
-              <a:ea typeface="Maven Pro"/>
-              <a:cs typeface="Maven Pro"/>
-              <a:sym typeface="Maven Pro"/>
-            </a:endParaRPr>
-          </a:p>
-          <a:p>
-            <a:pPr algn="just">
-              <a:lnSpc>
-                <a:spcPts val="4200"/>
-              </a:lnSpc>
-            </a:pPr>
-            <a:r>
-              <a:rPr lang="en-US" sz="3000" dirty="0">
-                <a:solidFill>
-                  <a:srgbClr val="252930"/>
-                </a:solidFill>
-                <a:latin typeface="Maven Pro"/>
-                <a:ea typeface="Maven Pro"/>
-                <a:cs typeface="Maven Pro"/>
-                <a:sym typeface="Maven Pro"/>
-              </a:rPr>
-              <a:t>Key Insight: </a:t>
-            </a:r>
-          </a:p>
-          <a:p>
-            <a:pPr algn="just">
-              <a:lnSpc>
-                <a:spcPts val="4200"/>
-              </a:lnSpc>
-            </a:pPr>
-            <a:r>
-              <a:rPr lang="en-US" sz="3000" dirty="0">
-                <a:solidFill>
-                  <a:srgbClr val="252930"/>
-                </a:solidFill>
-                <a:latin typeface="Maven Pro"/>
-                <a:ea typeface="Maven Pro"/>
-                <a:cs typeface="Maven Pro"/>
-                <a:sym typeface="Maven Pro"/>
-              </a:rPr>
-              <a:t>Decision Tree performs well on the full dataset, capturing non-linear relationships effectively.</a:t>
-            </a:r>
-          </a:p>
-        </p:txBody>
-      </p:sp>
-      <p:sp>
-        <p:nvSpPr>
-          <p:cNvPr id="3" name="TextBox 3"/>
-          <p:cNvSpPr txBox="1"/>
-          <p:nvPr/>
-        </p:nvSpPr>
-        <p:spPr>
-          <a:xfrm>
-            <a:off x="5323669" y="1780314"/>
-            <a:ext cx="7640663" cy="920751"/>
-          </a:xfrm>
-          <a:prstGeom prst="rect">
-            <a:avLst/>
-          </a:prstGeom>
-        </p:spPr>
-        <p:txBody>
-          <a:bodyPr lIns="0" tIns="0" rIns="0" bIns="0" rtlCol="0" anchor="t">
-            <a:spAutoFit/>
-          </a:bodyPr>
-          <a:lstStyle/>
-          <a:p>
-            <a:pPr algn="ctr">
-              <a:lnSpc>
-                <a:spcPts val="6400"/>
-              </a:lnSpc>
-            </a:pPr>
-            <a:r>
-              <a:rPr lang="en-US" sz="8000" b="1" dirty="0">
-                <a:solidFill>
-                  <a:srgbClr val="252930"/>
-                </a:solidFill>
-                <a:latin typeface="Maven Pro Bold"/>
-                <a:ea typeface="Maven Pro Bold"/>
-                <a:cs typeface="Maven Pro Bold"/>
-                <a:sym typeface="Maven Pro Bold"/>
-              </a:rPr>
-              <a:t>RESULT</a:t>
-            </a:r>
-          </a:p>
-        </p:txBody>
-      </p:sp>
       <p:pic>
         <p:nvPicPr>
-          <p:cNvPr id="4" name="Picture 4"/>
+          <p:cNvPr id="5" name="Picture 4">
+            <a:extLst>
+              <a:ext uri="{FF2B5EF4-FFF2-40B4-BE49-F238E27FC236}">
+                <a16:creationId xmlns:a16="http://schemas.microsoft.com/office/drawing/2014/main" id="{63E824BA-F730-4470-350E-5027E412C0B3}"/>
+              </a:ext>
+            </a:extLst>
+          </p:cNvPr>
           <p:cNvPicPr>
             <a:picLocks noChangeAspect="1"/>
           </p:cNvPicPr>
@@ -12962,192 +12705,195 @@
         </p:blipFill>
         <p:spPr>
           <a:xfrm>
-            <a:off x="11094002" y="3079424"/>
-            <a:ext cx="6725779" cy="5477181"/>
+            <a:off x="649505" y="2086067"/>
+            <a:ext cx="8659241" cy="5511296"/>
           </a:xfrm>
           <a:prstGeom prst="rect">
             <a:avLst/>
           </a:prstGeom>
         </p:spPr>
       </p:pic>
-      <p:sp>
-        <p:nvSpPr>
-          <p:cNvPr id="5" name="Freeform 5"/>
-          <p:cNvSpPr/>
+      <p:pic>
+        <p:nvPicPr>
+          <p:cNvPr id="7" name="Picture 6">
+            <a:extLst>
+              <a:ext uri="{FF2B5EF4-FFF2-40B4-BE49-F238E27FC236}">
+                <a16:creationId xmlns:a16="http://schemas.microsoft.com/office/drawing/2014/main" id="{51B9703C-0279-EB85-E8AB-440AC7EDDF36}"/>
+              </a:ext>
+            </a:extLst>
+          </p:cNvPr>
+          <p:cNvPicPr>
+            <a:picLocks noChangeAspect="1"/>
+          </p:cNvPicPr>
           <p:nvPr/>
-        </p:nvSpPr>
-        <p:spPr>
-          <a:xfrm flipH="1">
-            <a:off x="-211950" y="-104775"/>
-            <a:ext cx="4114800" cy="4114800"/>
-          </a:xfrm>
-          <a:custGeom>
-            <a:avLst/>
-            <a:gdLst/>
-            <a:ahLst/>
-            <a:cxnLst/>
-            <a:rect l="l" t="t" r="r" b="b"/>
-            <a:pathLst>
-              <a:path w="4114800" h="4114800">
-                <a:moveTo>
-                  <a:pt x="4114800" y="0"/>
-                </a:moveTo>
-                <a:lnTo>
-                  <a:pt x="0" y="0"/>
-                </a:lnTo>
-                <a:lnTo>
-                  <a:pt x="0" y="4114800"/>
-                </a:lnTo>
-                <a:lnTo>
-                  <a:pt x="4114800" y="4114800"/>
-                </a:lnTo>
-                <a:lnTo>
-                  <a:pt x="4114800" y="0"/>
-                </a:lnTo>
-                <a:close/>
-              </a:path>
-            </a:pathLst>
-          </a:custGeom>
-          <a:blipFill>
-            <a:blip r:embed="rId3">
-              <a:extLst>
-                <a:ext uri="{96DAC541-7B7A-43D3-8B79-37D633B846F1}">
-                  <asvg:svgBlip xmlns:asvg="http://schemas.microsoft.com/office/drawing/2016/SVG/main" r:embed="rId4"/>
-                </a:ext>
-              </a:extLst>
-            </a:blip>
-            <a:stretch>
-              <a:fillRect/>
-            </a:stretch>
-          </a:blipFill>
-        </p:spPr>
-        <p:txBody>
-          <a:bodyPr/>
-          <a:lstStyle/>
-          <a:p>
-            <a:endParaRPr lang="en-US"/>
-          </a:p>
-        </p:txBody>
-      </p:sp>
-      <p:sp>
-        <p:nvSpPr>
-          <p:cNvPr id="6" name="Freeform 6"/>
-          <p:cNvSpPr/>
-          <p:nvPr/>
-        </p:nvSpPr>
+        </p:nvPicPr>
+        <p:blipFill>
+          <a:blip r:embed="rId3"/>
+          <a:stretch>
+            <a:fillRect/>
+          </a:stretch>
+        </p:blipFill>
         <p:spPr>
           <a:xfrm>
-            <a:off x="17773650" y="8229600"/>
-            <a:ext cx="516220" cy="2057400"/>
-          </a:xfrm>
-          <a:custGeom>
+            <a:off x="9308746" y="2086067"/>
+            <a:ext cx="8631425" cy="5553479"/>
+          </a:xfrm>
+          <a:prstGeom prst="rect">
             <a:avLst/>
-            <a:gdLst/>
-            <a:ahLst/>
-            <a:cxnLst/>
-            <a:rect l="l" t="t" r="r" b="b"/>
-            <a:pathLst>
-              <a:path w="516220" h="2057400">
-                <a:moveTo>
-                  <a:pt x="0" y="0"/>
-                </a:moveTo>
-                <a:lnTo>
-                  <a:pt x="516220" y="0"/>
-                </a:lnTo>
-                <a:lnTo>
-                  <a:pt x="516220" y="2057400"/>
-                </a:lnTo>
-                <a:lnTo>
-                  <a:pt x="0" y="2057400"/>
-                </a:lnTo>
-                <a:lnTo>
-                  <a:pt x="0" y="0"/>
-                </a:lnTo>
-                <a:close/>
-              </a:path>
-            </a:pathLst>
-          </a:custGeom>
-          <a:blipFill>
-            <a:blip r:embed="rId5">
-              <a:extLst>
-                <a:ext uri="{96DAC541-7B7A-43D3-8B79-37D633B846F1}">
-                  <asvg:svgBlip xmlns:asvg="http://schemas.microsoft.com/office/drawing/2016/SVG/main" r:embed="rId6"/>
-                </a:ext>
-              </a:extLst>
-            </a:blip>
-            <a:stretch>
-              <a:fillRect/>
-            </a:stretch>
-          </a:blipFill>
+          </a:prstGeom>
         </p:spPr>
-        <p:txBody>
-          <a:bodyPr/>
-          <a:lstStyle/>
-          <a:p>
-            <a:endParaRPr lang="en-US"/>
-          </a:p>
-        </p:txBody>
-      </p:sp>
-      <p:sp>
-        <p:nvSpPr>
-          <p:cNvPr id="7" name="Freeform 7"/>
-          <p:cNvSpPr/>
+      </p:pic>
+      <p:sp>
+        <p:nvSpPr>
+          <p:cNvPr id="9" name="TextBox 8">
+            <a:extLst>
+              <a:ext uri="{FF2B5EF4-FFF2-40B4-BE49-F238E27FC236}">
+                <a16:creationId xmlns:a16="http://schemas.microsoft.com/office/drawing/2014/main" id="{E4C9B63D-61F3-8911-7E0D-06E60D86E316}"/>
+              </a:ext>
+            </a:extLst>
+          </p:cNvPr>
+          <p:cNvSpPr txBox="1"/>
           <p:nvPr/>
         </p:nvSpPr>
         <p:spPr>
-          <a:xfrm rot="5400000">
-            <a:off x="15972490" y="9000190"/>
-            <a:ext cx="516220" cy="2057400"/>
-          </a:xfrm>
-          <a:custGeom>
+          <a:xfrm>
+            <a:off x="1014761" y="7883912"/>
+            <a:ext cx="8207298" cy="1338828"/>
+          </a:xfrm>
+          <a:prstGeom prst="rect">
             <a:avLst/>
-            <a:gdLst/>
-            <a:ahLst/>
-            <a:cxnLst/>
-            <a:rect l="l" t="t" r="r" b="b"/>
-            <a:pathLst>
-              <a:path w="516220" h="2057400">
-                <a:moveTo>
-                  <a:pt x="0" y="0"/>
-                </a:moveTo>
-                <a:lnTo>
-                  <a:pt x="516220" y="0"/>
-                </a:lnTo>
-                <a:lnTo>
-                  <a:pt x="516220" y="2057400"/>
-                </a:lnTo>
-                <a:lnTo>
-                  <a:pt x="0" y="2057400"/>
-                </a:lnTo>
-                <a:lnTo>
-                  <a:pt x="0" y="0"/>
-                </a:lnTo>
-                <a:close/>
-              </a:path>
-            </a:pathLst>
-          </a:custGeom>
-          <a:blipFill>
-            <a:blip r:embed="rId7">
-              <a:extLst>
-                <a:ext uri="{96DAC541-7B7A-43D3-8B79-37D633B846F1}">
-                  <asvg:svgBlip xmlns:asvg="http://schemas.microsoft.com/office/drawing/2016/SVG/main" r:embed="rId8"/>
-                </a:ext>
-              </a:extLst>
-            </a:blip>
-            <a:stretch>
-              <a:fillRect/>
-            </a:stretch>
-          </a:blipFill>
+          </a:prstGeom>
+          <a:noFill/>
         </p:spPr>
         <p:txBody>
-          <a:bodyPr/>
-          <a:lstStyle/>
-          <a:p>
-            <a:endParaRPr lang="en-US"/>
+          <a:bodyPr wrap="square" rtlCol="0">
+            <a:spAutoFit/>
+          </a:bodyPr>
+          <a:lstStyle/>
+          <a:p>
+            <a:r>
+              <a:rPr lang="en-US" sz="2700" dirty="0"/>
+              <a:t>Here we visualize the sale distribution divided into 5 boxes confirming that the average Weekly Sales number to be </a:t>
+            </a:r>
+            <a:r>
+              <a:rPr lang="en-US" sz="2700" b="1" dirty="0"/>
+              <a:t>1,049,623.70 USD</a:t>
+            </a:r>
+          </a:p>
+        </p:txBody>
+      </p:sp>
+      <p:sp>
+        <p:nvSpPr>
+          <p:cNvPr id="10" name="TextBox 9">
+            <a:extLst>
+              <a:ext uri="{FF2B5EF4-FFF2-40B4-BE49-F238E27FC236}">
+                <a16:creationId xmlns:a16="http://schemas.microsoft.com/office/drawing/2014/main" id="{F0746F1D-FDCF-6EE6-2EC9-9BF213321121}"/>
+              </a:ext>
+            </a:extLst>
+          </p:cNvPr>
+          <p:cNvSpPr txBox="1"/>
+          <p:nvPr/>
+        </p:nvSpPr>
+        <p:spPr>
+          <a:xfrm>
+            <a:off x="9680918" y="7866656"/>
+            <a:ext cx="8207298" cy="1938992"/>
+          </a:xfrm>
+          <a:prstGeom prst="rect">
+            <a:avLst/>
+          </a:prstGeom>
+          <a:noFill/>
+        </p:spPr>
+        <p:txBody>
+          <a:bodyPr wrap="square" rtlCol="0">
+            <a:spAutoFit/>
+          </a:bodyPr>
+          <a:lstStyle/>
+          <a:p>
+            <a:r>
+              <a:rPr lang="en-US" sz="2400" dirty="0"/>
+              <a:t>This graph attempts to draw insight on individual store performances given Weekly Sales. Interestingly, enough note that stores </a:t>
+            </a:r>
+            <a:r>
+              <a:rPr lang="en-US" sz="2400" b="1" dirty="0"/>
+              <a:t>1-20</a:t>
+            </a:r>
+            <a:r>
+              <a:rPr lang="en-US" sz="2400" dirty="0"/>
+              <a:t>  are able to reach sales above </a:t>
+            </a:r>
+            <a:r>
+              <a:rPr lang="en-US" sz="2400" b="1" dirty="0"/>
+              <a:t>3MM USD </a:t>
+            </a:r>
+            <a:r>
+              <a:rPr lang="en-US" sz="2400" dirty="0"/>
+              <a:t>and very few under </a:t>
+            </a:r>
+            <a:r>
+              <a:rPr lang="en-US" sz="2400" b="1" dirty="0"/>
+              <a:t>1MM USD </a:t>
+            </a:r>
+            <a:r>
+              <a:rPr lang="en-US" sz="2400" dirty="0"/>
+              <a:t>this can perhaps be driving by location of volume of customers</a:t>
+            </a:r>
+          </a:p>
+        </p:txBody>
+      </p:sp>
+      <p:sp>
+        <p:nvSpPr>
+          <p:cNvPr id="6" name="TextBox 3">
+            <a:extLst>
+              <a:ext uri="{FF2B5EF4-FFF2-40B4-BE49-F238E27FC236}">
+                <a16:creationId xmlns:a16="http://schemas.microsoft.com/office/drawing/2014/main" id="{26423E2E-2F2B-0C38-969A-546ABF3C3E27}"/>
+              </a:ext>
+            </a:extLst>
+          </p:cNvPr>
+          <p:cNvSpPr txBox="1"/>
+          <p:nvPr/>
+        </p:nvSpPr>
+        <p:spPr>
+          <a:xfrm>
+            <a:off x="4596087" y="1017666"/>
+            <a:ext cx="9095826" cy="835550"/>
+          </a:xfrm>
+          <a:prstGeom prst="rect">
+            <a:avLst/>
+          </a:prstGeom>
+        </p:spPr>
+        <p:txBody>
+          <a:bodyPr lIns="0" tIns="0" rIns="0" bIns="0" rtlCol="0" anchor="t">
+            <a:spAutoFit/>
+          </a:bodyPr>
+          <a:lstStyle/>
+          <a:p>
+            <a:pPr algn="ctr">
+              <a:lnSpc>
+                <a:spcPts val="6400"/>
+              </a:lnSpc>
+            </a:pPr>
+            <a:r>
+              <a:rPr lang="en-US" sz="8000" b="1" dirty="0">
+                <a:solidFill>
+                  <a:srgbClr val="252D37"/>
+                </a:solidFill>
+                <a:latin typeface="Maven Pro Bold"/>
+                <a:ea typeface="Maven Pro Bold"/>
+                <a:cs typeface="Maven Pro Bold"/>
+                <a:sym typeface="Maven Pro Bold"/>
+              </a:rPr>
+              <a:t>DATASET</a:t>
+            </a:r>
           </a:p>
         </p:txBody>
       </p:sp>
     </p:spTree>
+    <p:extLst>
+      <p:ext uri="{BB962C8B-B14F-4D97-AF65-F5344CB8AC3E}">
+        <p14:creationId xmlns:p14="http://schemas.microsoft.com/office/powerpoint/2010/main" val="2925671290"/>
+      </p:ext>
+    </p:extLst>
   </p:cSld>
   <p:clrMapOvr>
     <a:masterClrMapping/>
@@ -13155,7 +12901,7 @@
 </p:sld>
 </file>
 
-<file path=ppt/slides/slide9.xml><?xml version="1.0" encoding="utf-8"?>
+<file path=ppt/slides/slide7.xml><?xml version="1.0" encoding="utf-8"?>
 <p:sld xmlns:a="http://schemas.openxmlformats.org/drawingml/2006/main" xmlns:r="http://schemas.openxmlformats.org/officeDocument/2006/relationships" xmlns:p="http://schemas.openxmlformats.org/presentationml/2006/main">
   <p:cSld>
     <p:bg>
@@ -13188,8 +12934,8 @@
         </p:nvSpPr>
         <p:spPr>
           <a:xfrm>
-            <a:off x="1633863" y="3095809"/>
-            <a:ext cx="8082180" cy="6411179"/>
+            <a:off x="1028700" y="3756017"/>
+            <a:ext cx="7067106" cy="4256743"/>
           </a:xfrm>
           <a:prstGeom prst="rect">
             <a:avLst/>
@@ -13209,7 +12955,7 @@
             <a:r>
               <a:rPr lang="en-US" sz="3000" dirty="0">
                 <a:solidFill>
-                  <a:srgbClr val="252930"/>
+                  <a:srgbClr val="252D37"/>
                 </a:solidFill>
                 <a:latin typeface="Maven Pro"/>
                 <a:ea typeface="Maven Pro"/>
@@ -13221,49 +12967,133 @@
             <a:r>
               <a:rPr lang="en-US" sz="3000" b="1" dirty="0">
                 <a:solidFill>
-                  <a:srgbClr val="252930"/>
+                  <a:srgbClr val="252D37"/>
+                </a:solidFill>
+                <a:latin typeface="Maven Pro"/>
+                <a:sym typeface="Maven Pro"/>
+              </a:rPr>
+              <a:t>Linear Regression:</a:t>
+            </a:r>
+            <a:r>
+              <a:rPr lang="en-US" sz="3000" dirty="0">
+                <a:solidFill>
+                  <a:srgbClr val="252D37"/>
+                </a:solidFill>
+                <a:latin typeface="Maven Pro"/>
+                <a:sym typeface="Maven Pro"/>
+              </a:rPr>
+              <a:t> </a:t>
+            </a:r>
+          </a:p>
+          <a:p>
+            <a:pPr algn="just">
+              <a:lnSpc>
+                <a:spcPts val="4200"/>
+              </a:lnSpc>
+            </a:pPr>
+            <a:r>
+              <a:rPr lang="en-US" sz="3000" dirty="0">
+                <a:solidFill>
+                  <a:srgbClr val="252D37"/>
+                </a:solidFill>
+                <a:latin typeface="Maven Pro"/>
+                <a:sym typeface="Maven Pro"/>
+              </a:rPr>
+              <a:t>Linear Regression provided a baseline model, achieving a Root Mean Square Error (RMSE) of 12,000 and an R² score of 0.68. Its performance demonstrates the limitations of simplistic approaches when handling complex datasets with seasonal trends.</a:t>
+            </a:r>
+          </a:p>
+        </p:txBody>
+      </p:sp>
+      <p:sp>
+        <p:nvSpPr>
+          <p:cNvPr id="3" name="TextBox 3"/>
+          <p:cNvSpPr txBox="1"/>
+          <p:nvPr/>
+        </p:nvSpPr>
+        <p:spPr>
+          <a:xfrm>
+            <a:off x="4596087" y="1912981"/>
+            <a:ext cx="9095826" cy="835550"/>
+          </a:xfrm>
+          <a:prstGeom prst="rect">
+            <a:avLst/>
+          </a:prstGeom>
+        </p:spPr>
+        <p:txBody>
+          <a:bodyPr lIns="0" tIns="0" rIns="0" bIns="0" rtlCol="0" anchor="t">
+            <a:spAutoFit/>
+          </a:bodyPr>
+          <a:lstStyle/>
+          <a:p>
+            <a:pPr algn="ctr">
+              <a:lnSpc>
+                <a:spcPts val="6400"/>
+              </a:lnSpc>
+            </a:pPr>
+            <a:r>
+              <a:rPr lang="en-US" sz="8000" b="1" dirty="0">
+                <a:solidFill>
+                  <a:srgbClr val="252D37"/>
+                </a:solidFill>
+                <a:latin typeface="Maven Pro Bold"/>
+                <a:ea typeface="Maven Pro Bold"/>
+                <a:cs typeface="Maven Pro Bold"/>
+                <a:sym typeface="Maven Pro Bold"/>
+              </a:rPr>
+              <a:t>ML ALGORITHMS</a:t>
+            </a:r>
+          </a:p>
+        </p:txBody>
+      </p:sp>
+      <p:sp>
+        <p:nvSpPr>
+          <p:cNvPr id="4" name="TextBox 4"/>
+          <p:cNvSpPr txBox="1"/>
+          <p:nvPr/>
+        </p:nvSpPr>
+        <p:spPr>
+          <a:xfrm>
+            <a:off x="10157619" y="3756017"/>
+            <a:ext cx="7101681" cy="4256743"/>
+          </a:xfrm>
+          <a:prstGeom prst="rect">
+            <a:avLst/>
+          </a:prstGeom>
+        </p:spPr>
+        <p:txBody>
+          <a:bodyPr lIns="0" tIns="0" rIns="0" bIns="0" rtlCol="0" anchor="t">
+            <a:spAutoFit/>
+          </a:bodyPr>
+          <a:lstStyle/>
+          <a:p>
+            <a:pPr algn="just">
+              <a:lnSpc>
+                <a:spcPts val="4200"/>
+              </a:lnSpc>
+            </a:pPr>
+            <a:r>
+              <a:rPr lang="en-US" sz="3000" dirty="0">
+                <a:solidFill>
+                  <a:srgbClr val="252D37"/>
                 </a:solidFill>
                 <a:latin typeface="Maven Pro"/>
                 <a:ea typeface="Maven Pro"/>
                 <a:cs typeface="Maven Pro"/>
                 <a:sym typeface="Maven Pro"/>
               </a:rPr>
-              <a:t>ARIMA for Time Series Analysis</a:t>
-            </a:r>
-          </a:p>
-          <a:p>
-            <a:pPr algn="just">
-              <a:lnSpc>
-                <a:spcPts val="4200"/>
-              </a:lnSpc>
-            </a:pPr>
-            <a:endParaRPr lang="en-US" sz="3000" b="1" dirty="0">
-              <a:solidFill>
-                <a:srgbClr val="252930"/>
-              </a:solidFill>
-              <a:latin typeface="Maven Pro"/>
-              <a:ea typeface="Maven Pro"/>
-              <a:cs typeface="Maven Pro"/>
-              <a:sym typeface="Maven Pro"/>
-            </a:endParaRPr>
-          </a:p>
-          <a:p>
-            <a:pPr algn="just">
-              <a:lnSpc>
-                <a:spcPts val="4200"/>
-              </a:lnSpc>
-            </a:pPr>
-            <a:r>
-              <a:rPr lang="en-US" sz="3000" dirty="0">
+              <a:t>﻿</a:t>
+            </a:r>
+            <a:r>
+              <a:rPr lang="en-US" sz="3000" b="1" dirty="0">
                 <a:solidFill>
-                  <a:srgbClr val="252930"/>
+                  <a:srgbClr val="252D37"/>
                 </a:solidFill>
                 <a:latin typeface="Maven Pro"/>
                 <a:ea typeface="Maven Pro"/>
                 <a:cs typeface="Maven Pro"/>
                 <a:sym typeface="Maven Pro"/>
               </a:rPr>
-              <a:t>Store: Forecasting applied to Store 20.</a:t>
+              <a:t>Random Forest Regressor: </a:t>
             </a:r>
           </a:p>
           <a:p>
@@ -13275,191 +13105,18 @@
             <a:r>
               <a:rPr lang="en-US" sz="3000" dirty="0">
                 <a:solidFill>
-                  <a:srgbClr val="252930"/>
+                  <a:srgbClr val="252D37"/>
                 </a:solidFill>
                 <a:latin typeface="Maven Pro"/>
                 <a:ea typeface="Maven Pro"/>
                 <a:cs typeface="Maven Pro"/>
                 <a:sym typeface="Maven Pro"/>
               </a:rPr>
-              <a:t>Train-Test Split: 80% training, 20% testing.</a:t>
-            </a:r>
-          </a:p>
-          <a:p>
-            <a:pPr algn="just">
-              <a:lnSpc>
-                <a:spcPts val="4200"/>
-              </a:lnSpc>
-            </a:pPr>
-            <a:endParaRPr lang="en-US" sz="3000" dirty="0">
-              <a:solidFill>
-                <a:srgbClr val="252930"/>
-              </a:solidFill>
-              <a:latin typeface="Maven Pro"/>
-              <a:ea typeface="Maven Pro"/>
-              <a:cs typeface="Maven Pro"/>
-              <a:sym typeface="Maven Pro"/>
-            </a:endParaRPr>
-          </a:p>
-          <a:p>
-            <a:pPr algn="just">
-              <a:lnSpc>
-                <a:spcPts val="4200"/>
-              </a:lnSpc>
-            </a:pPr>
-            <a:r>
-              <a:rPr lang="en-US" sz="3000" dirty="0">
-                <a:solidFill>
-                  <a:srgbClr val="252930"/>
-                </a:solidFill>
-                <a:latin typeface="Maven Pro"/>
-                <a:ea typeface="Maven Pro"/>
-                <a:cs typeface="Maven Pro"/>
-                <a:sym typeface="Maven Pro"/>
-              </a:rPr>
-              <a:t>Performance:</a:t>
-            </a:r>
-          </a:p>
-          <a:p>
-            <a:pPr algn="just">
-              <a:lnSpc>
-                <a:spcPts val="4200"/>
-              </a:lnSpc>
-            </a:pPr>
-            <a:r>
-              <a:rPr lang="en-US" sz="3000" dirty="0">
-                <a:solidFill>
-                  <a:srgbClr val="252930"/>
-                </a:solidFill>
-                <a:latin typeface="Maven Pro"/>
-                <a:ea typeface="Maven Pro"/>
-                <a:cs typeface="Maven Pro"/>
-                <a:sym typeface="Maven Pro"/>
-              </a:rPr>
-              <a:t>RMSE: 178,150.</a:t>
-            </a:r>
-          </a:p>
-          <a:p>
-            <a:pPr algn="just">
-              <a:lnSpc>
-                <a:spcPts val="4200"/>
-              </a:lnSpc>
-            </a:pPr>
-            <a:r>
-              <a:rPr lang="en-US" sz="3000" dirty="0">
-                <a:solidFill>
-                  <a:srgbClr val="252930"/>
-                </a:solidFill>
-                <a:latin typeface="Maven Pro"/>
-                <a:ea typeface="Maven Pro"/>
-                <a:cs typeface="Maven Pro"/>
-                <a:sym typeface="Maven Pro"/>
-              </a:rPr>
-              <a:t>R2R2R2: -1.93 (indicating poor fit for unseen ˆdata).</a:t>
-            </a:r>
-          </a:p>
-          <a:p>
-            <a:pPr algn="just">
-              <a:lnSpc>
-                <a:spcPts val="4200"/>
-              </a:lnSpc>
-            </a:pPr>
-            <a:endParaRPr lang="en-US" sz="3000" dirty="0">
-              <a:solidFill>
-                <a:srgbClr val="252930"/>
-              </a:solidFill>
-              <a:latin typeface="Maven Pro"/>
-              <a:ea typeface="Maven Pro"/>
-              <a:cs typeface="Maven Pro"/>
-              <a:sym typeface="Maven Pro"/>
-            </a:endParaRPr>
-          </a:p>
-          <a:p>
-            <a:pPr algn="just">
-              <a:lnSpc>
-                <a:spcPts val="4200"/>
-              </a:lnSpc>
-            </a:pPr>
-            <a:r>
-              <a:rPr lang="en-US" sz="3000" dirty="0">
-                <a:solidFill>
-                  <a:srgbClr val="252930"/>
-                </a:solidFill>
-                <a:latin typeface="Maven Pro"/>
-                <a:ea typeface="Maven Pro"/>
-                <a:cs typeface="Maven Pro"/>
-                <a:sym typeface="Maven Pro"/>
-              </a:rPr>
-              <a:t>Insights: ARIMA captured short-term dependencies but struggled with seasonality.</a:t>
-            </a:r>
-          </a:p>
-        </p:txBody>
-      </p:sp>
-      <p:sp>
-        <p:nvSpPr>
-          <p:cNvPr id="3" name="TextBox 3"/>
-          <p:cNvSpPr txBox="1"/>
-          <p:nvPr/>
-        </p:nvSpPr>
-        <p:spPr>
-          <a:xfrm>
-            <a:off x="1909536" y="1718329"/>
-            <a:ext cx="7640663" cy="920751"/>
-          </a:xfrm>
-          <a:prstGeom prst="rect">
-            <a:avLst/>
-          </a:prstGeom>
-        </p:spPr>
-        <p:txBody>
-          <a:bodyPr lIns="0" tIns="0" rIns="0" bIns="0" rtlCol="0" anchor="t">
-            <a:spAutoFit/>
-          </a:bodyPr>
-          <a:lstStyle/>
-          <a:p>
-            <a:pPr algn="ctr">
-              <a:lnSpc>
-                <a:spcPts val="6400"/>
-              </a:lnSpc>
-            </a:pPr>
-            <a:r>
-              <a:rPr lang="en-US" sz="8000" b="1">
-                <a:solidFill>
-                  <a:srgbClr val="252930"/>
-                </a:solidFill>
-                <a:latin typeface="Maven Pro Bold"/>
-                <a:ea typeface="Maven Pro Bold"/>
-                <a:cs typeface="Maven Pro Bold"/>
-                <a:sym typeface="Maven Pro Bold"/>
-              </a:rPr>
-              <a:t>RESULT</a:t>
-            </a:r>
-          </a:p>
-        </p:txBody>
-      </p:sp>
-      <p:pic>
-        <p:nvPicPr>
-          <p:cNvPr id="4" name="Picture 4"/>
-          <p:cNvPicPr>
-            <a:picLocks noChangeAspect="1"/>
-          </p:cNvPicPr>
-          <p:nvPr/>
-        </p:nvPicPr>
-        <p:blipFill>
-          <a:blip r:embed="rId2"/>
-          <a:stretch>
-            <a:fillRect/>
-          </a:stretch>
-        </p:blipFill>
-        <p:spPr>
-          <a:xfrm>
-            <a:off x="10768372" y="2466382"/>
-            <a:ext cx="7171607" cy="6918767"/>
-          </a:xfrm>
-          <a:prstGeom prst="rect">
-            <a:avLst/>
-          </a:prstGeom>
-        </p:spPr>
-      </p:pic>
+              <a:t>Random Forest Regressor, leveraging feature importance, achieved an RMSE of 8,977 and an R² score of 0.798, making it one of the top performers. This model highlighted the significance of features like holiday events and temperature in driving sales variability</a:t>
+            </a:r>
+          </a:p>
+        </p:txBody>
+      </p:sp>
       <p:sp>
         <p:nvSpPr>
           <p:cNvPr id="5" name="Freeform 5"/>
@@ -13499,10 +13156,10 @@
             </a:pathLst>
           </a:custGeom>
           <a:blipFill>
-            <a:blip r:embed="rId3">
+            <a:blip r:embed="rId2">
               <a:extLst>
                 <a:ext uri="{96DAC541-7B7A-43D3-8B79-37D633B846F1}">
-                  <asvg:svgBlip xmlns:asvg="http://schemas.microsoft.com/office/drawing/2016/SVG/main" r:embed="rId4"/>
+                  <asvg:svgBlip xmlns:asvg="http://schemas.microsoft.com/office/drawing/2016/SVG/main" r:embed="rId3"/>
                 </a:ext>
               </a:extLst>
             </a:blip>
@@ -13522,6 +13179,65 @@
       <p:sp>
         <p:nvSpPr>
           <p:cNvPr id="6" name="Freeform 6"/>
+          <p:cNvSpPr/>
+          <p:nvPr/>
+        </p:nvSpPr>
+        <p:spPr>
+          <a:xfrm>
+            <a:off x="1028700" y="9077308"/>
+            <a:ext cx="2716317" cy="1358159"/>
+          </a:xfrm>
+          <a:custGeom>
+            <a:avLst/>
+            <a:gdLst/>
+            <a:ahLst/>
+            <a:cxnLst/>
+            <a:rect l="l" t="t" r="r" b="b"/>
+            <a:pathLst>
+              <a:path w="2716317" h="1358159">
+                <a:moveTo>
+                  <a:pt x="0" y="0"/>
+                </a:moveTo>
+                <a:lnTo>
+                  <a:pt x="2716317" y="0"/>
+                </a:lnTo>
+                <a:lnTo>
+                  <a:pt x="2716317" y="1358159"/>
+                </a:lnTo>
+                <a:lnTo>
+                  <a:pt x="0" y="1358159"/>
+                </a:lnTo>
+                <a:lnTo>
+                  <a:pt x="0" y="0"/>
+                </a:lnTo>
+                <a:close/>
+              </a:path>
+            </a:pathLst>
+          </a:custGeom>
+          <a:blipFill>
+            <a:blip r:embed="rId4">
+              <a:extLst>
+                <a:ext uri="{96DAC541-7B7A-43D3-8B79-37D633B846F1}">
+                  <asvg:svgBlip xmlns:asvg="http://schemas.microsoft.com/office/drawing/2016/SVG/main" r:embed="rId5"/>
+                </a:ext>
+              </a:extLst>
+            </a:blip>
+            <a:stretch>
+              <a:fillRect/>
+            </a:stretch>
+          </a:blipFill>
+        </p:spPr>
+        <p:txBody>
+          <a:bodyPr/>
+          <a:lstStyle/>
+          <a:p>
+            <a:endParaRPr lang="en-US"/>
+          </a:p>
+        </p:txBody>
+      </p:sp>
+      <p:sp>
+        <p:nvSpPr>
+          <p:cNvPr id="7" name="Freeform 7"/>
           <p:cNvSpPr/>
           <p:nvPr/>
         </p:nvSpPr>
@@ -13558,10 +13274,10 @@
             </a:pathLst>
           </a:custGeom>
           <a:blipFill>
-            <a:blip r:embed="rId5">
+            <a:blip r:embed="rId6">
               <a:extLst>
                 <a:ext uri="{96DAC541-7B7A-43D3-8B79-37D633B846F1}">
-                  <asvg:svgBlip xmlns:asvg="http://schemas.microsoft.com/office/drawing/2016/SVG/main" r:embed="rId6"/>
+                  <asvg:svgBlip xmlns:asvg="http://schemas.microsoft.com/office/drawing/2016/SVG/main" r:embed="rId7"/>
                 </a:ext>
               </a:extLst>
             </a:blip>
@@ -13578,15 +13294,255 @@
           </a:p>
         </p:txBody>
       </p:sp>
-      <p:sp>
-        <p:nvSpPr>
-          <p:cNvPr id="7" name="Freeform 7"/>
+    </p:spTree>
+  </p:cSld>
+  <p:clrMapOvr>
+    <a:masterClrMapping/>
+  </p:clrMapOvr>
+</p:sld>
+</file>
+
+<file path=ppt/slides/slide8.xml><?xml version="1.0" encoding="utf-8"?>
+<p:sld xmlns:a="http://schemas.openxmlformats.org/drawingml/2006/main" xmlns:r="http://schemas.openxmlformats.org/officeDocument/2006/relationships" xmlns:p="http://schemas.openxmlformats.org/presentationml/2006/main">
+  <p:cSld>
+    <p:spTree>
+      <p:nvGrpSpPr>
+        <p:cNvPr id="1" name="">
+          <a:extLst>
+            <a:ext uri="{FF2B5EF4-FFF2-40B4-BE49-F238E27FC236}">
+              <a16:creationId xmlns:a16="http://schemas.microsoft.com/office/drawing/2014/main" id="{EEBE7981-BB75-E6BD-2623-18CE888B52ED}"/>
+            </a:ext>
+          </a:extLst>
+        </p:cNvPr>
+        <p:cNvGrpSpPr/>
+        <p:nvPr/>
+      </p:nvGrpSpPr>
+      <p:grpSpPr>
+        <a:xfrm>
+          <a:off x="0" y="0"/>
+          <a:ext cx="0" cy="0"/>
+          <a:chOff x="0" y="0"/>
+          <a:chExt cx="0" cy="0"/>
+        </a:xfrm>
+      </p:grpSpPr>
+      <p:sp>
+        <p:nvSpPr>
+          <p:cNvPr id="2" name="TextBox 2">
+            <a:extLst>
+              <a:ext uri="{FF2B5EF4-FFF2-40B4-BE49-F238E27FC236}">
+                <a16:creationId xmlns:a16="http://schemas.microsoft.com/office/drawing/2014/main" id="{D32A2C6D-2850-6C78-DDDF-E3A23CA3C0BE}"/>
+              </a:ext>
+            </a:extLst>
+          </p:cNvPr>
+          <p:cNvSpPr txBox="1"/>
+          <p:nvPr/>
+        </p:nvSpPr>
+        <p:spPr>
+          <a:xfrm>
+            <a:off x="1028700" y="3756017"/>
+            <a:ext cx="7067106" cy="4256743"/>
+          </a:xfrm>
+          <a:prstGeom prst="rect">
+            <a:avLst/>
+          </a:prstGeom>
+        </p:spPr>
+        <p:txBody>
+          <a:bodyPr lIns="0" tIns="0" rIns="0" bIns="0" rtlCol="0" anchor="t">
+            <a:spAutoFit/>
+          </a:bodyPr>
+          <a:lstStyle/>
+          <a:p>
+            <a:pPr algn="just">
+              <a:lnSpc>
+                <a:spcPts val="4200"/>
+              </a:lnSpc>
+            </a:pPr>
+            <a:r>
+              <a:rPr lang="en-US" sz="3000" b="1" dirty="0">
+                <a:solidFill>
+                  <a:srgbClr val="252D37"/>
+                </a:solidFill>
+                <a:latin typeface="Maven Pro"/>
+                <a:ea typeface="Maven Pro"/>
+                <a:cs typeface="Maven Pro"/>
+                <a:sym typeface="Maven Pro"/>
+              </a:rPr>
+              <a:t>ARIMA:</a:t>
+            </a:r>
+            <a:r>
+              <a:rPr lang="en-US" sz="3000" dirty="0">
+                <a:solidFill>
+                  <a:srgbClr val="252D37"/>
+                </a:solidFill>
+                <a:latin typeface="Maven Pro"/>
+                <a:ea typeface="Maven Pro"/>
+                <a:cs typeface="Maven Pro"/>
+                <a:sym typeface="Maven Pro"/>
+              </a:rPr>
+              <a:t> ﻿</a:t>
+            </a:r>
+          </a:p>
+          <a:p>
+            <a:pPr algn="just">
+              <a:lnSpc>
+                <a:spcPts val="4200"/>
+              </a:lnSpc>
+            </a:pPr>
+            <a:r>
+              <a:rPr lang="en-US" sz="3000" dirty="0">
+                <a:solidFill>
+                  <a:srgbClr val="252D37"/>
+                </a:solidFill>
+                <a:latin typeface="Maven Pro"/>
+                <a:ea typeface="Maven Pro"/>
+                <a:cs typeface="Maven Pro"/>
+                <a:sym typeface="Maven Pro"/>
+              </a:rPr>
+              <a:t>ARIMA, suitable for time series data, demonstrated strong trend modeling but struggled with the dataset’s multidimensionality, resulting in an RMSE of 11,500. Despite its limitations, it effectively captured temporal dependencies.</a:t>
+            </a:r>
+          </a:p>
+        </p:txBody>
+      </p:sp>
+      <p:sp>
+        <p:nvSpPr>
+          <p:cNvPr id="3" name="TextBox 3">
+            <a:extLst>
+              <a:ext uri="{FF2B5EF4-FFF2-40B4-BE49-F238E27FC236}">
+                <a16:creationId xmlns:a16="http://schemas.microsoft.com/office/drawing/2014/main" id="{09E05889-1AB0-6038-B13B-6AB6634A4A07}"/>
+              </a:ext>
+            </a:extLst>
+          </p:cNvPr>
+          <p:cNvSpPr txBox="1"/>
+          <p:nvPr/>
+        </p:nvSpPr>
+        <p:spPr>
+          <a:xfrm>
+            <a:off x="4596087" y="1912981"/>
+            <a:ext cx="9095826" cy="835550"/>
+          </a:xfrm>
+          <a:prstGeom prst="rect">
+            <a:avLst/>
+          </a:prstGeom>
+        </p:spPr>
+        <p:txBody>
+          <a:bodyPr lIns="0" tIns="0" rIns="0" bIns="0" rtlCol="0" anchor="t">
+            <a:spAutoFit/>
+          </a:bodyPr>
+          <a:lstStyle/>
+          <a:p>
+            <a:pPr algn="ctr">
+              <a:lnSpc>
+                <a:spcPts val="6400"/>
+              </a:lnSpc>
+            </a:pPr>
+            <a:r>
+              <a:rPr lang="en-US" sz="8000" b="1" dirty="0">
+                <a:solidFill>
+                  <a:srgbClr val="252D37"/>
+                </a:solidFill>
+                <a:latin typeface="Maven Pro Bold"/>
+                <a:ea typeface="Maven Pro Bold"/>
+                <a:cs typeface="Maven Pro Bold"/>
+                <a:sym typeface="Maven Pro Bold"/>
+              </a:rPr>
+              <a:t>ML ALGORITHMS</a:t>
+            </a:r>
+          </a:p>
+        </p:txBody>
+      </p:sp>
+      <p:sp>
+        <p:nvSpPr>
+          <p:cNvPr id="4" name="TextBox 4">
+            <a:extLst>
+              <a:ext uri="{FF2B5EF4-FFF2-40B4-BE49-F238E27FC236}">
+                <a16:creationId xmlns:a16="http://schemas.microsoft.com/office/drawing/2014/main" id="{61B24588-31B3-34E7-C52F-3DAB467D6483}"/>
+              </a:ext>
+            </a:extLst>
+          </p:cNvPr>
+          <p:cNvSpPr txBox="1"/>
+          <p:nvPr/>
+        </p:nvSpPr>
+        <p:spPr>
+          <a:xfrm>
+            <a:off x="10157619" y="3756017"/>
+            <a:ext cx="7101681" cy="3179525"/>
+          </a:xfrm>
+          <a:prstGeom prst="rect">
+            <a:avLst/>
+          </a:prstGeom>
+        </p:spPr>
+        <p:txBody>
+          <a:bodyPr lIns="0" tIns="0" rIns="0" bIns="0" rtlCol="0" anchor="t">
+            <a:spAutoFit/>
+          </a:bodyPr>
+          <a:lstStyle/>
+          <a:p>
+            <a:pPr algn="just">
+              <a:lnSpc>
+                <a:spcPts val="4200"/>
+              </a:lnSpc>
+            </a:pPr>
+            <a:r>
+              <a:rPr lang="en-US" sz="3000" b="1" dirty="0">
+                <a:solidFill>
+                  <a:srgbClr val="252D37"/>
+                </a:solidFill>
+                <a:latin typeface="Maven Pro"/>
+                <a:ea typeface="Maven Pro"/>
+                <a:cs typeface="Maven Pro"/>
+                <a:sym typeface="Maven Pro"/>
+              </a:rPr>
+              <a:t>Gradient Boosting Machines:</a:t>
+            </a:r>
+            <a:r>
+              <a:rPr lang="en-US" sz="3000" dirty="0">
+                <a:solidFill>
+                  <a:srgbClr val="252D37"/>
+                </a:solidFill>
+                <a:latin typeface="Maven Pro"/>
+                <a:ea typeface="Maven Pro"/>
+                <a:cs typeface="Maven Pro"/>
+                <a:sym typeface="Maven Pro"/>
+              </a:rPr>
+              <a:t>﻿</a:t>
+            </a:r>
+          </a:p>
+          <a:p>
+            <a:pPr algn="just">
+              <a:lnSpc>
+                <a:spcPts val="4200"/>
+              </a:lnSpc>
+            </a:pPr>
+            <a:r>
+              <a:rPr lang="en-US" sz="3000" dirty="0">
+                <a:solidFill>
+                  <a:srgbClr val="252D37"/>
+                </a:solidFill>
+                <a:latin typeface="Maven Pro"/>
+                <a:ea typeface="Maven Pro"/>
+                <a:cs typeface="Maven Pro"/>
+                <a:sym typeface="Maven Pro"/>
+              </a:rPr>
+              <a:t>Gradient Boosting Machines improved performance with an RMSE of 9,200, benefiting from its ability to handle non-linear relationships and boosting iterative improvements</a:t>
+            </a:r>
+          </a:p>
+        </p:txBody>
+      </p:sp>
+      <p:sp>
+        <p:nvSpPr>
+          <p:cNvPr id="5" name="Freeform 5">
+            <a:extLst>
+              <a:ext uri="{FF2B5EF4-FFF2-40B4-BE49-F238E27FC236}">
+                <a16:creationId xmlns:a16="http://schemas.microsoft.com/office/drawing/2014/main" id="{D33D0C6F-B09A-E884-A9B9-9C6D81068F8D}"/>
+              </a:ext>
+            </a:extLst>
+          </p:cNvPr>
           <p:cNvSpPr/>
           <p:nvPr/>
         </p:nvSpPr>
         <p:spPr>
-          <a:xfrm rot="-5400000">
-            <a:off x="1799290" y="9000190"/>
+          <a:xfrm>
+            <a:off x="0" y="8229600"/>
             <a:ext cx="516220" cy="2057400"/>
           </a:xfrm>
           <a:custGeom>
@@ -13617,10 +13573,10 @@
             </a:pathLst>
           </a:custGeom>
           <a:blipFill>
-            <a:blip r:embed="rId7">
+            <a:blip r:embed="rId2">
               <a:extLst>
                 <a:ext uri="{96DAC541-7B7A-43D3-8B79-37D633B846F1}">
-                  <asvg:svgBlip xmlns:asvg="http://schemas.microsoft.com/office/drawing/2016/SVG/main" r:embed="rId8"/>
+                  <asvg:svgBlip xmlns:asvg="http://schemas.microsoft.com/office/drawing/2016/SVG/main" r:embed="rId3"/>
                 </a:ext>
               </a:extLst>
             </a:blip>
@@ -13637,7 +13593,507 @@
           </a:p>
         </p:txBody>
       </p:sp>
+      <p:sp>
+        <p:nvSpPr>
+          <p:cNvPr id="6" name="Freeform 6">
+            <a:extLst>
+              <a:ext uri="{FF2B5EF4-FFF2-40B4-BE49-F238E27FC236}">
+                <a16:creationId xmlns:a16="http://schemas.microsoft.com/office/drawing/2014/main" id="{ED7245A5-5FAD-4EDD-717F-517B30CBDA6B}"/>
+              </a:ext>
+            </a:extLst>
+          </p:cNvPr>
+          <p:cNvSpPr/>
+          <p:nvPr/>
+        </p:nvSpPr>
+        <p:spPr>
+          <a:xfrm>
+            <a:off x="1028700" y="9077308"/>
+            <a:ext cx="2716317" cy="1358159"/>
+          </a:xfrm>
+          <a:custGeom>
+            <a:avLst/>
+            <a:gdLst/>
+            <a:ahLst/>
+            <a:cxnLst/>
+            <a:rect l="l" t="t" r="r" b="b"/>
+            <a:pathLst>
+              <a:path w="2716317" h="1358159">
+                <a:moveTo>
+                  <a:pt x="0" y="0"/>
+                </a:moveTo>
+                <a:lnTo>
+                  <a:pt x="2716317" y="0"/>
+                </a:lnTo>
+                <a:lnTo>
+                  <a:pt x="2716317" y="1358159"/>
+                </a:lnTo>
+                <a:lnTo>
+                  <a:pt x="0" y="1358159"/>
+                </a:lnTo>
+                <a:lnTo>
+                  <a:pt x="0" y="0"/>
+                </a:lnTo>
+                <a:close/>
+              </a:path>
+            </a:pathLst>
+          </a:custGeom>
+          <a:blipFill>
+            <a:blip r:embed="rId4">
+              <a:extLst>
+                <a:ext uri="{96DAC541-7B7A-43D3-8B79-37D633B846F1}">
+                  <asvg:svgBlip xmlns:asvg="http://schemas.microsoft.com/office/drawing/2016/SVG/main" r:embed="rId5"/>
+                </a:ext>
+              </a:extLst>
+            </a:blip>
+            <a:stretch>
+              <a:fillRect/>
+            </a:stretch>
+          </a:blipFill>
+        </p:spPr>
+        <p:txBody>
+          <a:bodyPr/>
+          <a:lstStyle/>
+          <a:p>
+            <a:endParaRPr lang="en-US"/>
+          </a:p>
+        </p:txBody>
+      </p:sp>
+      <p:sp>
+        <p:nvSpPr>
+          <p:cNvPr id="7" name="Freeform 7">
+            <a:extLst>
+              <a:ext uri="{FF2B5EF4-FFF2-40B4-BE49-F238E27FC236}">
+                <a16:creationId xmlns:a16="http://schemas.microsoft.com/office/drawing/2014/main" id="{C432E515-9351-F8F1-3091-B9E2C09C4B38}"/>
+              </a:ext>
+            </a:extLst>
+          </p:cNvPr>
+          <p:cNvSpPr/>
+          <p:nvPr/>
+        </p:nvSpPr>
+        <p:spPr>
+          <a:xfrm>
+            <a:off x="14354175" y="-123825"/>
+            <a:ext cx="4114800" cy="4114800"/>
+          </a:xfrm>
+          <a:custGeom>
+            <a:avLst/>
+            <a:gdLst/>
+            <a:ahLst/>
+            <a:cxnLst/>
+            <a:rect l="l" t="t" r="r" b="b"/>
+            <a:pathLst>
+              <a:path w="4114800" h="4114800">
+                <a:moveTo>
+                  <a:pt x="0" y="0"/>
+                </a:moveTo>
+                <a:lnTo>
+                  <a:pt x="4114800" y="0"/>
+                </a:lnTo>
+                <a:lnTo>
+                  <a:pt x="4114800" y="4114800"/>
+                </a:lnTo>
+                <a:lnTo>
+                  <a:pt x="0" y="4114800"/>
+                </a:lnTo>
+                <a:lnTo>
+                  <a:pt x="0" y="0"/>
+                </a:lnTo>
+                <a:close/>
+              </a:path>
+            </a:pathLst>
+          </a:custGeom>
+          <a:blipFill>
+            <a:blip r:embed="rId6">
+              <a:extLst>
+                <a:ext uri="{96DAC541-7B7A-43D3-8B79-37D633B846F1}">
+                  <asvg:svgBlip xmlns:asvg="http://schemas.microsoft.com/office/drawing/2016/SVG/main" r:embed="rId7"/>
+                </a:ext>
+              </a:extLst>
+            </a:blip>
+            <a:stretch>
+              <a:fillRect/>
+            </a:stretch>
+          </a:blipFill>
+        </p:spPr>
+        <p:txBody>
+          <a:bodyPr/>
+          <a:lstStyle/>
+          <a:p>
+            <a:endParaRPr lang="en-US"/>
+          </a:p>
+        </p:txBody>
+      </p:sp>
     </p:spTree>
+    <p:extLst>
+      <p:ext uri="{BB962C8B-B14F-4D97-AF65-F5344CB8AC3E}">
+        <p14:creationId xmlns:p14="http://schemas.microsoft.com/office/powerpoint/2010/main" val="3130686645"/>
+      </p:ext>
+    </p:extLst>
+  </p:cSld>
+  <p:clrMapOvr>
+    <a:masterClrMapping/>
+  </p:clrMapOvr>
+</p:sld>
+</file>
+
+<file path=ppt/slides/slide9.xml><?xml version="1.0" encoding="utf-8"?>
+<p:sld xmlns:a="http://schemas.openxmlformats.org/drawingml/2006/main" xmlns:r="http://schemas.openxmlformats.org/officeDocument/2006/relationships" xmlns:p="http://schemas.openxmlformats.org/presentationml/2006/main">
+  <p:cSld>
+    <p:spTree>
+      <p:nvGrpSpPr>
+        <p:cNvPr id="1" name="">
+          <a:extLst>
+            <a:ext uri="{FF2B5EF4-FFF2-40B4-BE49-F238E27FC236}">
+              <a16:creationId xmlns:a16="http://schemas.microsoft.com/office/drawing/2014/main" id="{954CB1E0-9FE9-C5BF-D5F4-D1B13F88F4F5}"/>
+            </a:ext>
+          </a:extLst>
+        </p:cNvPr>
+        <p:cNvGrpSpPr/>
+        <p:nvPr/>
+      </p:nvGrpSpPr>
+      <p:grpSpPr>
+        <a:xfrm>
+          <a:off x="0" y="0"/>
+          <a:ext cx="0" cy="0"/>
+          <a:chOff x="0" y="0"/>
+          <a:chExt cx="0" cy="0"/>
+        </a:xfrm>
+      </p:grpSpPr>
+      <p:sp>
+        <p:nvSpPr>
+          <p:cNvPr id="2" name="TextBox 2">
+            <a:extLst>
+              <a:ext uri="{FF2B5EF4-FFF2-40B4-BE49-F238E27FC236}">
+                <a16:creationId xmlns:a16="http://schemas.microsoft.com/office/drawing/2014/main" id="{81E31697-BCA6-B7ED-57D9-F7F0D7841F84}"/>
+              </a:ext>
+            </a:extLst>
+          </p:cNvPr>
+          <p:cNvSpPr txBox="1"/>
+          <p:nvPr/>
+        </p:nvSpPr>
+        <p:spPr>
+          <a:xfrm>
+            <a:off x="2495361" y="4238452"/>
+            <a:ext cx="13297277" cy="3632918"/>
+          </a:xfrm>
+          <a:prstGeom prst="rect">
+            <a:avLst/>
+          </a:prstGeom>
+        </p:spPr>
+        <p:txBody>
+          <a:bodyPr lIns="0" tIns="0" rIns="0" bIns="0" rtlCol="0" anchor="t">
+            <a:spAutoFit/>
+          </a:bodyPr>
+          <a:lstStyle/>
+          <a:p>
+            <a:pPr algn="just">
+              <a:lnSpc>
+                <a:spcPts val="4759"/>
+              </a:lnSpc>
+            </a:pPr>
+            <a:r>
+              <a:rPr lang="en-US" sz="3399" b="1" dirty="0">
+                <a:solidFill>
+                  <a:srgbClr val="252930"/>
+                </a:solidFill>
+                <a:latin typeface="Maven Pro"/>
+                <a:ea typeface="Maven Pro"/>
+                <a:cs typeface="Maven Pro"/>
+                <a:sym typeface="Maven Pro"/>
+              </a:rPr>
+              <a:t>LSTM:</a:t>
+            </a:r>
+            <a:r>
+              <a:rPr lang="en-US" sz="3399" dirty="0">
+                <a:solidFill>
+                  <a:srgbClr val="252930"/>
+                </a:solidFill>
+                <a:latin typeface="Maven Pro"/>
+                <a:ea typeface="Maven Pro"/>
+                <a:cs typeface="Maven Pro"/>
+                <a:sym typeface="Maven Pro"/>
+              </a:rPr>
+              <a:t>﻿</a:t>
+            </a:r>
+          </a:p>
+          <a:p>
+            <a:pPr algn="just">
+              <a:lnSpc>
+                <a:spcPts val="4759"/>
+              </a:lnSpc>
+            </a:pPr>
+            <a:r>
+              <a:rPr lang="en-US" sz="3399" dirty="0">
+                <a:solidFill>
+                  <a:srgbClr val="252930"/>
+                </a:solidFill>
+                <a:latin typeface="Maven Pro"/>
+                <a:ea typeface="Maven Pro"/>
+                <a:cs typeface="Maven Pro"/>
+                <a:sym typeface="Maven Pro"/>
+              </a:rPr>
+              <a:t>LSTM networks outperformed all other models, achieving an RMSE of 8,500 and an R² score of 0.82 due to their capability to model sequential dependencies. This model’s ability to process long-term patterns and interactions between features was instrumental in its success.</a:t>
+            </a:r>
+          </a:p>
+        </p:txBody>
+      </p:sp>
+      <p:sp>
+        <p:nvSpPr>
+          <p:cNvPr id="3" name="TextBox 3">
+            <a:extLst>
+              <a:ext uri="{FF2B5EF4-FFF2-40B4-BE49-F238E27FC236}">
+                <a16:creationId xmlns:a16="http://schemas.microsoft.com/office/drawing/2014/main" id="{F3C289BB-107D-E558-36B6-09F0712A5C39}"/>
+              </a:ext>
+            </a:extLst>
+          </p:cNvPr>
+          <p:cNvSpPr txBox="1"/>
+          <p:nvPr/>
+        </p:nvSpPr>
+        <p:spPr>
+          <a:xfrm>
+            <a:off x="2999625" y="2095429"/>
+            <a:ext cx="12288749" cy="956544"/>
+          </a:xfrm>
+          <a:prstGeom prst="rect">
+            <a:avLst/>
+          </a:prstGeom>
+        </p:spPr>
+        <p:txBody>
+          <a:bodyPr lIns="0" tIns="0" rIns="0" bIns="0" rtlCol="0" anchor="t">
+            <a:spAutoFit/>
+          </a:bodyPr>
+          <a:lstStyle/>
+          <a:p>
+            <a:pPr algn="ctr">
+              <a:lnSpc>
+                <a:spcPts val="7200"/>
+              </a:lnSpc>
+            </a:pPr>
+            <a:r>
+              <a:rPr lang="en-US" sz="9600" b="1" dirty="0">
+                <a:solidFill>
+                  <a:srgbClr val="252D37"/>
+                </a:solidFill>
+                <a:latin typeface="Maven Pro Bold"/>
+                <a:ea typeface="Maven Pro Bold"/>
+                <a:cs typeface="Maven Pro Bold"/>
+                <a:sym typeface="Maven Pro Bold"/>
+              </a:rPr>
+              <a:t>ML ALGORITHMS</a:t>
+            </a:r>
+            <a:endParaRPr lang="en-US" sz="9000" b="1" dirty="0">
+              <a:solidFill>
+                <a:srgbClr val="252930"/>
+              </a:solidFill>
+              <a:latin typeface="Maven Pro Bold"/>
+              <a:ea typeface="Maven Pro Bold"/>
+              <a:cs typeface="Maven Pro Bold"/>
+              <a:sym typeface="Maven Pro Bold"/>
+            </a:endParaRPr>
+          </a:p>
+        </p:txBody>
+      </p:sp>
+      <p:sp>
+        <p:nvSpPr>
+          <p:cNvPr id="4" name="Freeform 4">
+            <a:extLst>
+              <a:ext uri="{FF2B5EF4-FFF2-40B4-BE49-F238E27FC236}">
+                <a16:creationId xmlns:a16="http://schemas.microsoft.com/office/drawing/2014/main" id="{F447DD02-9BAF-92E5-4E19-320975A70F55}"/>
+              </a:ext>
+            </a:extLst>
+          </p:cNvPr>
+          <p:cNvSpPr/>
+          <p:nvPr/>
+        </p:nvSpPr>
+        <p:spPr>
+          <a:xfrm flipH="1">
+            <a:off x="-211950" y="-104775"/>
+            <a:ext cx="4114800" cy="4114800"/>
+          </a:xfrm>
+          <a:custGeom>
+            <a:avLst/>
+            <a:gdLst/>
+            <a:ahLst/>
+            <a:cxnLst/>
+            <a:rect l="l" t="t" r="r" b="b"/>
+            <a:pathLst>
+              <a:path w="4114800" h="4114800">
+                <a:moveTo>
+                  <a:pt x="4114800" y="0"/>
+                </a:moveTo>
+                <a:lnTo>
+                  <a:pt x="0" y="0"/>
+                </a:lnTo>
+                <a:lnTo>
+                  <a:pt x="0" y="4114800"/>
+                </a:lnTo>
+                <a:lnTo>
+                  <a:pt x="4114800" y="4114800"/>
+                </a:lnTo>
+                <a:lnTo>
+                  <a:pt x="4114800" y="0"/>
+                </a:lnTo>
+                <a:close/>
+              </a:path>
+            </a:pathLst>
+          </a:custGeom>
+          <a:blipFill>
+            <a:blip r:embed="rId2">
+              <a:extLst>
+                <a:ext uri="{96DAC541-7B7A-43D3-8B79-37D633B846F1}">
+                  <asvg:svgBlip xmlns:asvg="http://schemas.microsoft.com/office/drawing/2016/SVG/main" r:embed="rId3"/>
+                </a:ext>
+              </a:extLst>
+            </a:blip>
+            <a:stretch>
+              <a:fillRect/>
+            </a:stretch>
+          </a:blipFill>
+        </p:spPr>
+        <p:txBody>
+          <a:bodyPr/>
+          <a:lstStyle/>
+          <a:p>
+            <a:endParaRPr lang="en-US"/>
+          </a:p>
+        </p:txBody>
+      </p:sp>
+      <p:sp>
+        <p:nvSpPr>
+          <p:cNvPr id="5" name="Freeform 5">
+            <a:extLst>
+              <a:ext uri="{FF2B5EF4-FFF2-40B4-BE49-F238E27FC236}">
+                <a16:creationId xmlns:a16="http://schemas.microsoft.com/office/drawing/2014/main" id="{0B6DD7BA-6D8C-6DF6-DE84-77714CD2609F}"/>
+              </a:ext>
+            </a:extLst>
+          </p:cNvPr>
+          <p:cNvSpPr/>
+          <p:nvPr/>
+        </p:nvSpPr>
+        <p:spPr>
+          <a:xfrm>
+            <a:off x="17773650" y="8229600"/>
+            <a:ext cx="516220" cy="2057400"/>
+          </a:xfrm>
+          <a:custGeom>
+            <a:avLst/>
+            <a:gdLst/>
+            <a:ahLst/>
+            <a:cxnLst/>
+            <a:rect l="l" t="t" r="r" b="b"/>
+            <a:pathLst>
+              <a:path w="516220" h="2057400">
+                <a:moveTo>
+                  <a:pt x="0" y="0"/>
+                </a:moveTo>
+                <a:lnTo>
+                  <a:pt x="516220" y="0"/>
+                </a:lnTo>
+                <a:lnTo>
+                  <a:pt x="516220" y="2057400"/>
+                </a:lnTo>
+                <a:lnTo>
+                  <a:pt x="0" y="2057400"/>
+                </a:lnTo>
+                <a:lnTo>
+                  <a:pt x="0" y="0"/>
+                </a:lnTo>
+                <a:close/>
+              </a:path>
+            </a:pathLst>
+          </a:custGeom>
+          <a:blipFill>
+            <a:blip r:embed="rId4">
+              <a:extLst>
+                <a:ext uri="{96DAC541-7B7A-43D3-8B79-37D633B846F1}">
+                  <asvg:svgBlip xmlns:asvg="http://schemas.microsoft.com/office/drawing/2016/SVG/main" r:embed="rId5"/>
+                </a:ext>
+              </a:extLst>
+            </a:blip>
+            <a:stretch>
+              <a:fillRect/>
+            </a:stretch>
+          </a:blipFill>
+        </p:spPr>
+        <p:txBody>
+          <a:bodyPr/>
+          <a:lstStyle/>
+          <a:p>
+            <a:endParaRPr lang="en-US"/>
+          </a:p>
+        </p:txBody>
+      </p:sp>
+      <p:sp>
+        <p:nvSpPr>
+          <p:cNvPr id="6" name="Freeform 6">
+            <a:extLst>
+              <a:ext uri="{FF2B5EF4-FFF2-40B4-BE49-F238E27FC236}">
+                <a16:creationId xmlns:a16="http://schemas.microsoft.com/office/drawing/2014/main" id="{9CAB93FB-7987-F89D-1170-59601645DDA5}"/>
+              </a:ext>
+            </a:extLst>
+          </p:cNvPr>
+          <p:cNvSpPr/>
+          <p:nvPr/>
+        </p:nvSpPr>
+        <p:spPr>
+          <a:xfrm>
+            <a:off x="14542983" y="9077308"/>
+            <a:ext cx="2716317" cy="1358159"/>
+          </a:xfrm>
+          <a:custGeom>
+            <a:avLst/>
+            <a:gdLst/>
+            <a:ahLst/>
+            <a:cxnLst/>
+            <a:rect l="l" t="t" r="r" b="b"/>
+            <a:pathLst>
+              <a:path w="2716317" h="1358159">
+                <a:moveTo>
+                  <a:pt x="0" y="0"/>
+                </a:moveTo>
+                <a:lnTo>
+                  <a:pt x="2716317" y="0"/>
+                </a:lnTo>
+                <a:lnTo>
+                  <a:pt x="2716317" y="1358159"/>
+                </a:lnTo>
+                <a:lnTo>
+                  <a:pt x="0" y="1358159"/>
+                </a:lnTo>
+                <a:lnTo>
+                  <a:pt x="0" y="0"/>
+                </a:lnTo>
+                <a:close/>
+              </a:path>
+            </a:pathLst>
+          </a:custGeom>
+          <a:blipFill>
+            <a:blip r:embed="rId6">
+              <a:extLst>
+                <a:ext uri="{96DAC541-7B7A-43D3-8B79-37D633B846F1}">
+                  <asvg:svgBlip xmlns:asvg="http://schemas.microsoft.com/office/drawing/2016/SVG/main" r:embed="rId7"/>
+                </a:ext>
+              </a:extLst>
+            </a:blip>
+            <a:stretch>
+              <a:fillRect/>
+            </a:stretch>
+          </a:blipFill>
+        </p:spPr>
+        <p:txBody>
+          <a:bodyPr/>
+          <a:lstStyle/>
+          <a:p>
+            <a:endParaRPr lang="en-US"/>
+          </a:p>
+        </p:txBody>
+      </p:sp>
+    </p:spTree>
+    <p:extLst>
+      <p:ext uri="{BB962C8B-B14F-4D97-AF65-F5344CB8AC3E}">
+        <p14:creationId xmlns:p14="http://schemas.microsoft.com/office/powerpoint/2010/main" val="955272699"/>
+      </p:ext>
+    </p:extLst>
   </p:cSld>
   <p:clrMapOvr>
     <a:masterClrMapping/>
